--- a/Презентация РПО.pptx
+++ b/Презентация РПО.pptx
@@ -5,7 +5,7 @@
     <p:sldMasterId id="2147483659" r:id="rId1"/>
   </p:sldMasterIdLst>
   <p:notesMasterIdLst>
-    <p:notesMasterId r:id="rId19"/>
+    <p:notesMasterId r:id="rId20"/>
   </p:notesMasterIdLst>
   <p:sldIdLst>
     <p:sldId id="256" r:id="rId2"/>
@@ -21,12 +21,13 @@
     <p:sldId id="276" r:id="rId12"/>
     <p:sldId id="277" r:id="rId13"/>
     <p:sldId id="278" r:id="rId14"/>
-    <p:sldId id="279" r:id="rId15"/>
-    <p:sldId id="280" r:id="rId16"/>
-    <p:sldId id="268" r:id="rId17"/>
-    <p:sldId id="269" r:id="rId18"/>
+    <p:sldId id="280" r:id="rId15"/>
+    <p:sldId id="281" r:id="rId16"/>
+    <p:sldId id="282" r:id="rId17"/>
+    <p:sldId id="268" r:id="rId18"/>
+    <p:sldId id="269" r:id="rId19"/>
   </p:sldIdLst>
-  <p:sldSz cx="9144000" cy="5143500" type="screen16x9"/>
+  <p:sldSz cx="6858000" cy="5143500"/>
   <p:notesSz cx="6858000" cy="9144000"/>
   <p:defaultTextStyle>
     <a:defPPr>
@@ -165,12 +166,12 @@
   <p:extLst>
     <p:ext uri="{EFAFB233-063F-42B5-8137-9DF3F51BA10A}">
       <p15:sldGuideLst xmlns:p15="http://schemas.microsoft.com/office/powerpoint/2012/main">
-        <p15:guide id="1" orient="horz" pos="1620">
+        <p15:guide id="1" orient="horz" pos="1620" userDrawn="1">
           <p15:clr>
             <a:srgbClr val="A4A3A4"/>
           </p15:clr>
         </p15:guide>
-        <p15:guide id="2" pos="2880">
+        <p15:guide id="2" pos="2160" userDrawn="1">
           <p15:clr>
             <a:srgbClr val="A4A3A4"/>
           </p15:clr>
@@ -215,8 +216,8 @@
         </p:nvSpPr>
         <p:spPr bwMode="auto">
           <a:xfrm>
-            <a:off x="381000" y="685800"/>
-            <a:ext cx="6096000" cy="3429000"/>
+            <a:off x="1143000" y="685800"/>
+            <a:ext cx="4572000" cy="3429000"/>
           </a:xfrm>
           <a:custGeom>
             <a:avLst/>
@@ -533,6 +534,10 @@
           </p:nvPr>
         </p:nvSpPr>
         <p:spPr>
+          <a:xfrm>
+            <a:off x="1143000" y="685800"/>
+            <a:ext cx="4572000" cy="3429000"/>
+          </a:xfrm>
           <a:noFill/>
           <a:ln>
             <a:headEnd/>
@@ -608,6 +613,10 @@
           </p:nvPr>
         </p:nvSpPr>
         <p:spPr>
+          <a:xfrm>
+            <a:off x="1143000" y="685800"/>
+            <a:ext cx="4572000" cy="3429000"/>
+          </a:xfrm>
           <a:noFill/>
           <a:ln>
             <a:headEnd/>
@@ -683,6 +692,10 @@
           </p:nvPr>
         </p:nvSpPr>
         <p:spPr>
+          <a:xfrm>
+            <a:off x="1143000" y="685800"/>
+            <a:ext cx="4572000" cy="3429000"/>
+          </a:xfrm>
           <a:noFill/>
           <a:ln>
             <a:headEnd/>
@@ -758,6 +771,10 @@
           </p:nvPr>
         </p:nvSpPr>
         <p:spPr>
+          <a:xfrm>
+            <a:off x="1143000" y="685800"/>
+            <a:ext cx="4572000" cy="3429000"/>
+          </a:xfrm>
           <a:noFill/>
           <a:ln>
             <a:headEnd/>
@@ -833,6 +850,10 @@
           </p:nvPr>
         </p:nvSpPr>
         <p:spPr>
+          <a:xfrm>
+            <a:off x="1143000" y="685800"/>
+            <a:ext cx="4572000" cy="3429000"/>
+          </a:xfrm>
           <a:noFill/>
           <a:ln>
             <a:headEnd/>
@@ -908,6 +929,10 @@
           </p:nvPr>
         </p:nvSpPr>
         <p:spPr>
+          <a:xfrm>
+            <a:off x="1143000" y="685800"/>
+            <a:ext cx="4572000" cy="3429000"/>
+          </a:xfrm>
           <a:noFill/>
           <a:ln>
             <a:headEnd/>
@@ -988,6 +1013,10 @@
           </p:nvPr>
         </p:nvSpPr>
         <p:spPr>
+          <a:xfrm>
+            <a:off x="1143000" y="685800"/>
+            <a:ext cx="4572000" cy="3429000"/>
+          </a:xfrm>
           <a:noFill/>
           <a:ln>
             <a:headEnd/>
@@ -1063,6 +1092,10 @@
           </p:nvPr>
         </p:nvSpPr>
         <p:spPr>
+          <a:xfrm>
+            <a:off x="1143000" y="685800"/>
+            <a:ext cx="4572000" cy="3429000"/>
+          </a:xfrm>
           <a:noFill/>
           <a:ln>
             <a:headEnd/>
@@ -1138,6 +1171,10 @@
           </p:nvPr>
         </p:nvSpPr>
         <p:spPr>
+          <a:xfrm>
+            <a:off x="1143000" y="685800"/>
+            <a:ext cx="4572000" cy="3429000"/>
+          </a:xfrm>
           <a:noFill/>
           <a:ln>
             <a:headEnd/>
@@ -1213,6 +1250,10 @@
           </p:nvPr>
         </p:nvSpPr>
         <p:spPr>
+          <a:xfrm>
+            <a:off x="1143000" y="685800"/>
+            <a:ext cx="4572000" cy="3429000"/>
+          </a:xfrm>
           <a:noFill/>
           <a:ln>
             <a:headEnd/>
@@ -1289,8 +1330,8 @@
         </p:nvSpPr>
         <p:spPr>
           <a:xfrm>
-            <a:off x="311708" y="744575"/>
-            <a:ext cx="8520600" cy="2052600"/>
+            <a:off x="233781" y="744575"/>
+            <a:ext cx="6390450" cy="2052600"/>
           </a:xfrm>
           <a:prstGeom prst="rect">
             <a:avLst/>
@@ -1305,7 +1346,7 @@
               </a:spcBef>
               <a:buSzPts val="5200"/>
               <a:buNone/>
-              <a:defRPr sz="5200"/>
+              <a:defRPr sz="3900"/>
             </a:lvl1pPr>
             <a:lvl2pPr lvl="1" algn="ctr">
               <a:spcBef>
@@ -1313,7 +1354,7 @@
               </a:spcBef>
               <a:buSzPts val="5200"/>
               <a:buNone/>
-              <a:defRPr sz="5200"/>
+              <a:defRPr sz="3900"/>
             </a:lvl2pPr>
             <a:lvl3pPr lvl="2" algn="ctr">
               <a:spcBef>
@@ -1321,7 +1362,7 @@
               </a:spcBef>
               <a:buSzPts val="5200"/>
               <a:buNone/>
-              <a:defRPr sz="5200"/>
+              <a:defRPr sz="3900"/>
             </a:lvl3pPr>
             <a:lvl4pPr lvl="3" algn="ctr">
               <a:spcBef>
@@ -1329,7 +1370,7 @@
               </a:spcBef>
               <a:buSzPts val="5200"/>
               <a:buNone/>
-              <a:defRPr sz="5200"/>
+              <a:defRPr sz="3900"/>
             </a:lvl4pPr>
             <a:lvl5pPr lvl="4" algn="ctr">
               <a:spcBef>
@@ -1337,7 +1378,7 @@
               </a:spcBef>
               <a:buSzPts val="5200"/>
               <a:buNone/>
-              <a:defRPr sz="5200"/>
+              <a:defRPr sz="3900"/>
             </a:lvl5pPr>
             <a:lvl6pPr lvl="5" algn="ctr">
               <a:spcBef>
@@ -1345,7 +1386,7 @@
               </a:spcBef>
               <a:buSzPts val="5200"/>
               <a:buNone/>
-              <a:defRPr sz="5200"/>
+              <a:defRPr sz="3900"/>
             </a:lvl6pPr>
             <a:lvl7pPr lvl="6" algn="ctr">
               <a:spcBef>
@@ -1353,7 +1394,7 @@
               </a:spcBef>
               <a:buSzPts val="5200"/>
               <a:buNone/>
-              <a:defRPr sz="5200"/>
+              <a:defRPr sz="3900"/>
             </a:lvl7pPr>
             <a:lvl8pPr lvl="7" algn="ctr">
               <a:spcBef>
@@ -1361,7 +1402,7 @@
               </a:spcBef>
               <a:buSzPts val="5200"/>
               <a:buNone/>
-              <a:defRPr sz="5200"/>
+              <a:defRPr sz="3900"/>
             </a:lvl8pPr>
             <a:lvl9pPr lvl="8" algn="ctr">
               <a:spcBef>
@@ -1369,7 +1410,7 @@
               </a:spcBef>
               <a:buSzPts val="5200"/>
               <a:buNone/>
-              <a:defRPr sz="5200"/>
+              <a:defRPr sz="3900"/>
             </a:lvl9pPr>
           </a:lstStyle>
           <a:p>
@@ -1389,8 +1430,8 @@
         </p:nvSpPr>
         <p:spPr>
           <a:xfrm>
-            <a:off x="311700" y="2834125"/>
-            <a:ext cx="8520600" cy="792600"/>
+            <a:off x="233775" y="2834125"/>
+            <a:ext cx="6390450" cy="792600"/>
           </a:xfrm>
           <a:prstGeom prst="rect">
             <a:avLst/>
@@ -1411,7 +1452,7 @@
               </a:spcAft>
               <a:buSzPts val="2800"/>
               <a:buNone/>
-              <a:defRPr sz="2800"/>
+              <a:defRPr sz="2100"/>
             </a:lvl1pPr>
             <a:lvl2pPr lvl="1" algn="ctr">
               <a:lnSpc>
@@ -1425,7 +1466,7 @@
               </a:spcAft>
               <a:buSzPts val="2800"/>
               <a:buNone/>
-              <a:defRPr sz="2800"/>
+              <a:defRPr sz="2100"/>
             </a:lvl2pPr>
             <a:lvl3pPr lvl="2" algn="ctr">
               <a:lnSpc>
@@ -1439,7 +1480,7 @@
               </a:spcAft>
               <a:buSzPts val="2800"/>
               <a:buNone/>
-              <a:defRPr sz="2800"/>
+              <a:defRPr sz="2100"/>
             </a:lvl3pPr>
             <a:lvl4pPr lvl="3" algn="ctr">
               <a:lnSpc>
@@ -1453,7 +1494,7 @@
               </a:spcAft>
               <a:buSzPts val="2800"/>
               <a:buNone/>
-              <a:defRPr sz="2800"/>
+              <a:defRPr sz="2100"/>
             </a:lvl4pPr>
             <a:lvl5pPr lvl="4" algn="ctr">
               <a:lnSpc>
@@ -1467,7 +1508,7 @@
               </a:spcAft>
               <a:buSzPts val="2800"/>
               <a:buNone/>
-              <a:defRPr sz="2800"/>
+              <a:defRPr sz="2100"/>
             </a:lvl5pPr>
             <a:lvl6pPr lvl="5" algn="ctr">
               <a:lnSpc>
@@ -1481,7 +1522,7 @@
               </a:spcAft>
               <a:buSzPts val="2800"/>
               <a:buNone/>
-              <a:defRPr sz="2800"/>
+              <a:defRPr sz="2100"/>
             </a:lvl6pPr>
             <a:lvl7pPr lvl="6" algn="ctr">
               <a:lnSpc>
@@ -1495,7 +1536,7 @@
               </a:spcAft>
               <a:buSzPts val="2800"/>
               <a:buNone/>
-              <a:defRPr sz="2800"/>
+              <a:defRPr sz="2100"/>
             </a:lvl7pPr>
             <a:lvl8pPr lvl="7" algn="ctr">
               <a:lnSpc>
@@ -1509,7 +1550,7 @@
               </a:spcAft>
               <a:buSzPts val="2800"/>
               <a:buNone/>
-              <a:defRPr sz="2800"/>
+              <a:defRPr sz="2100"/>
             </a:lvl8pPr>
             <a:lvl9pPr lvl="8" algn="ctr">
               <a:lnSpc>
@@ -1523,7 +1564,7 @@
               </a:spcAft>
               <a:buSzPts val="2800"/>
               <a:buNone/>
-              <a:defRPr sz="2800"/>
+              <a:defRPr sz="2100"/>
             </a:lvl9pPr>
           </a:lstStyle>
           <a:p>
@@ -1543,8 +1584,8 @@
         </p:nvSpPr>
         <p:spPr bwMode="auto">
           <a:xfrm>
-            <a:off x="8472488" y="4662488"/>
-            <a:ext cx="549275" cy="393700"/>
+            <a:off x="6354367" y="4662488"/>
+            <a:ext cx="411956" cy="393700"/>
           </a:xfrm>
           <a:prstGeom prst="rect">
             <a:avLst/>
@@ -1614,8 +1655,8 @@
         </p:nvSpPr>
         <p:spPr>
           <a:xfrm>
-            <a:off x="311700" y="1106125"/>
-            <a:ext cx="8520600" cy="1963500"/>
+            <a:off x="233775" y="1106125"/>
+            <a:ext cx="6390450" cy="1963500"/>
           </a:xfrm>
           <a:prstGeom prst="rect">
             <a:avLst/>
@@ -1630,7 +1671,7 @@
               </a:spcBef>
               <a:buSzPts val="12000"/>
               <a:buNone/>
-              <a:defRPr sz="12000"/>
+              <a:defRPr sz="9000"/>
             </a:lvl1pPr>
             <a:lvl2pPr lvl="1" algn="ctr">
               <a:spcBef>
@@ -1638,7 +1679,7 @@
               </a:spcBef>
               <a:buSzPts val="12000"/>
               <a:buNone/>
-              <a:defRPr sz="12000"/>
+              <a:defRPr sz="9000"/>
             </a:lvl2pPr>
             <a:lvl3pPr lvl="2" algn="ctr">
               <a:spcBef>
@@ -1646,7 +1687,7 @@
               </a:spcBef>
               <a:buSzPts val="12000"/>
               <a:buNone/>
-              <a:defRPr sz="12000"/>
+              <a:defRPr sz="9000"/>
             </a:lvl3pPr>
             <a:lvl4pPr lvl="3" algn="ctr">
               <a:spcBef>
@@ -1654,7 +1695,7 @@
               </a:spcBef>
               <a:buSzPts val="12000"/>
               <a:buNone/>
-              <a:defRPr sz="12000"/>
+              <a:defRPr sz="9000"/>
             </a:lvl4pPr>
             <a:lvl5pPr lvl="4" algn="ctr">
               <a:spcBef>
@@ -1662,7 +1703,7 @@
               </a:spcBef>
               <a:buSzPts val="12000"/>
               <a:buNone/>
-              <a:defRPr sz="12000"/>
+              <a:defRPr sz="9000"/>
             </a:lvl5pPr>
             <a:lvl6pPr lvl="5" algn="ctr">
               <a:spcBef>
@@ -1670,7 +1711,7 @@
               </a:spcBef>
               <a:buSzPts val="12000"/>
               <a:buNone/>
-              <a:defRPr sz="12000"/>
+              <a:defRPr sz="9000"/>
             </a:lvl6pPr>
             <a:lvl7pPr lvl="6" algn="ctr">
               <a:spcBef>
@@ -1678,7 +1719,7 @@
               </a:spcBef>
               <a:buSzPts val="12000"/>
               <a:buNone/>
-              <a:defRPr sz="12000"/>
+              <a:defRPr sz="9000"/>
             </a:lvl7pPr>
             <a:lvl8pPr lvl="7" algn="ctr">
               <a:spcBef>
@@ -1686,7 +1727,7 @@
               </a:spcBef>
               <a:buSzPts val="12000"/>
               <a:buNone/>
-              <a:defRPr sz="12000"/>
+              <a:defRPr sz="9000"/>
             </a:lvl8pPr>
             <a:lvl9pPr lvl="8" algn="ctr">
               <a:spcBef>
@@ -1694,7 +1735,7 @@
               </a:spcBef>
               <a:buSzPts val="12000"/>
               <a:buNone/>
-              <a:defRPr sz="12000"/>
+              <a:defRPr sz="9000"/>
             </a:lvl9pPr>
           </a:lstStyle>
           <a:p>
@@ -1714,8 +1755,8 @@
         </p:nvSpPr>
         <p:spPr>
           <a:xfrm>
-            <a:off x="311700" y="3152225"/>
-            <a:ext cx="8520600" cy="1300800"/>
+            <a:off x="233775" y="3152225"/>
+            <a:ext cx="6390450" cy="1300800"/>
           </a:xfrm>
           <a:prstGeom prst="rect">
             <a:avLst/>
@@ -1814,8 +1855,8 @@
         </p:nvSpPr>
         <p:spPr bwMode="auto">
           <a:xfrm>
-            <a:off x="8472488" y="4662488"/>
-            <a:ext cx="549275" cy="393700"/>
+            <a:off x="6354367" y="4662488"/>
+            <a:ext cx="411956" cy="393700"/>
           </a:xfrm>
           <a:prstGeom prst="rect">
             <a:avLst/>
@@ -1885,8 +1926,8 @@
         </p:nvSpPr>
         <p:spPr bwMode="auto">
           <a:xfrm>
-            <a:off x="8472488" y="4662488"/>
-            <a:ext cx="549275" cy="393700"/>
+            <a:off x="6354367" y="4662488"/>
+            <a:ext cx="411956" cy="393700"/>
           </a:xfrm>
           <a:prstGeom prst="rect">
             <a:avLst/>
@@ -1956,8 +1997,8 @@
         </p:nvSpPr>
         <p:spPr>
           <a:xfrm>
-            <a:off x="311700" y="2150850"/>
-            <a:ext cx="8520600" cy="841800"/>
+            <a:off x="233775" y="2150850"/>
+            <a:ext cx="6390450" cy="841800"/>
           </a:xfrm>
           <a:prstGeom prst="rect">
             <a:avLst/>
@@ -1972,7 +2013,7 @@
               </a:spcBef>
               <a:buSzPts val="3600"/>
               <a:buNone/>
-              <a:defRPr sz="3600"/>
+              <a:defRPr sz="2700"/>
             </a:lvl1pPr>
             <a:lvl2pPr lvl="1" algn="ctr">
               <a:spcBef>
@@ -1980,7 +2021,7 @@
               </a:spcBef>
               <a:buSzPts val="3600"/>
               <a:buNone/>
-              <a:defRPr sz="3600"/>
+              <a:defRPr sz="2700"/>
             </a:lvl2pPr>
             <a:lvl3pPr lvl="2" algn="ctr">
               <a:spcBef>
@@ -1988,7 +2029,7 @@
               </a:spcBef>
               <a:buSzPts val="3600"/>
               <a:buNone/>
-              <a:defRPr sz="3600"/>
+              <a:defRPr sz="2700"/>
             </a:lvl3pPr>
             <a:lvl4pPr lvl="3" algn="ctr">
               <a:spcBef>
@@ -1996,7 +2037,7 @@
               </a:spcBef>
               <a:buSzPts val="3600"/>
               <a:buNone/>
-              <a:defRPr sz="3600"/>
+              <a:defRPr sz="2700"/>
             </a:lvl4pPr>
             <a:lvl5pPr lvl="4" algn="ctr">
               <a:spcBef>
@@ -2004,7 +2045,7 @@
               </a:spcBef>
               <a:buSzPts val="3600"/>
               <a:buNone/>
-              <a:defRPr sz="3600"/>
+              <a:defRPr sz="2700"/>
             </a:lvl5pPr>
             <a:lvl6pPr lvl="5" algn="ctr">
               <a:spcBef>
@@ -2012,7 +2053,7 @@
               </a:spcBef>
               <a:buSzPts val="3600"/>
               <a:buNone/>
-              <a:defRPr sz="3600"/>
+              <a:defRPr sz="2700"/>
             </a:lvl6pPr>
             <a:lvl7pPr lvl="6" algn="ctr">
               <a:spcBef>
@@ -2020,7 +2061,7 @@
               </a:spcBef>
               <a:buSzPts val="3600"/>
               <a:buNone/>
-              <a:defRPr sz="3600"/>
+              <a:defRPr sz="2700"/>
             </a:lvl7pPr>
             <a:lvl8pPr lvl="7" algn="ctr">
               <a:spcBef>
@@ -2028,7 +2069,7 @@
               </a:spcBef>
               <a:buSzPts val="3600"/>
               <a:buNone/>
-              <a:defRPr sz="3600"/>
+              <a:defRPr sz="2700"/>
             </a:lvl8pPr>
             <a:lvl9pPr lvl="8" algn="ctr">
               <a:spcBef>
@@ -2036,7 +2077,7 @@
               </a:spcBef>
               <a:buSzPts val="3600"/>
               <a:buNone/>
-              <a:defRPr sz="3600"/>
+              <a:defRPr sz="2700"/>
             </a:lvl9pPr>
           </a:lstStyle>
           <a:p>
@@ -2056,8 +2097,8 @@
         </p:nvSpPr>
         <p:spPr bwMode="auto">
           <a:xfrm>
-            <a:off x="8472488" y="4662488"/>
-            <a:ext cx="549275" cy="393700"/>
+            <a:off x="6354367" y="4662488"/>
+            <a:ext cx="411956" cy="393700"/>
           </a:xfrm>
           <a:prstGeom prst="rect">
             <a:avLst/>
@@ -2127,8 +2168,8 @@
         </p:nvSpPr>
         <p:spPr>
           <a:xfrm>
-            <a:off x="311700" y="445025"/>
-            <a:ext cx="8520600" cy="572700"/>
+            <a:off x="233775" y="445025"/>
+            <a:ext cx="6390450" cy="572700"/>
           </a:xfrm>
           <a:prstGeom prst="rect">
             <a:avLst/>
@@ -2227,8 +2268,8 @@
         </p:nvSpPr>
         <p:spPr>
           <a:xfrm>
-            <a:off x="311700" y="1152475"/>
-            <a:ext cx="8520600" cy="3416400"/>
+            <a:off x="233775" y="1152475"/>
+            <a:ext cx="6390450" cy="3416400"/>
           </a:xfrm>
           <a:prstGeom prst="rect">
             <a:avLst/>
@@ -2327,8 +2368,8 @@
         </p:nvSpPr>
         <p:spPr bwMode="auto">
           <a:xfrm>
-            <a:off x="8472488" y="4662488"/>
-            <a:ext cx="549275" cy="393700"/>
+            <a:off x="6354367" y="4662488"/>
+            <a:ext cx="411956" cy="393700"/>
           </a:xfrm>
           <a:prstGeom prst="rect">
             <a:avLst/>
@@ -2398,8 +2439,8 @@
         </p:nvSpPr>
         <p:spPr>
           <a:xfrm>
-            <a:off x="311700" y="445025"/>
-            <a:ext cx="8520600" cy="572700"/>
+            <a:off x="233775" y="445025"/>
+            <a:ext cx="6390450" cy="572700"/>
           </a:xfrm>
           <a:prstGeom prst="rect">
             <a:avLst/>
@@ -2498,8 +2539,8 @@
         </p:nvSpPr>
         <p:spPr>
           <a:xfrm>
-            <a:off x="311700" y="1152475"/>
-            <a:ext cx="3999900" cy="3416400"/>
+            <a:off x="233775" y="1152475"/>
+            <a:ext cx="2999925" cy="3416400"/>
           </a:xfrm>
           <a:prstGeom prst="rect">
             <a:avLst/>
@@ -2514,7 +2555,7 @@
               </a:spcBef>
               <a:buSzPts val="1400"/>
               <a:buChar char="●"/>
-              <a:defRPr sz="1400"/>
+              <a:defRPr sz="1050"/>
             </a:lvl1pPr>
             <a:lvl2pPr lvl="1">
               <a:spcBef>
@@ -2522,7 +2563,7 @@
               </a:spcBef>
               <a:buSzPts val="1200"/>
               <a:buChar char="○"/>
-              <a:defRPr sz="1200"/>
+              <a:defRPr sz="900"/>
             </a:lvl2pPr>
             <a:lvl3pPr lvl="2">
               <a:spcBef>
@@ -2530,7 +2571,7 @@
               </a:spcBef>
               <a:buSzPts val="1200"/>
               <a:buChar char="■"/>
-              <a:defRPr sz="1200"/>
+              <a:defRPr sz="900"/>
             </a:lvl3pPr>
             <a:lvl4pPr lvl="3">
               <a:spcBef>
@@ -2538,7 +2579,7 @@
               </a:spcBef>
               <a:buSzPts val="1200"/>
               <a:buChar char="●"/>
-              <a:defRPr sz="1200"/>
+              <a:defRPr sz="900"/>
             </a:lvl4pPr>
             <a:lvl5pPr lvl="4">
               <a:spcBef>
@@ -2546,7 +2587,7 @@
               </a:spcBef>
               <a:buSzPts val="1200"/>
               <a:buChar char="○"/>
-              <a:defRPr sz="1200"/>
+              <a:defRPr sz="900"/>
             </a:lvl5pPr>
             <a:lvl6pPr lvl="5">
               <a:spcBef>
@@ -2554,7 +2595,7 @@
               </a:spcBef>
               <a:buSzPts val="1200"/>
               <a:buChar char="■"/>
-              <a:defRPr sz="1200"/>
+              <a:defRPr sz="900"/>
             </a:lvl6pPr>
             <a:lvl7pPr lvl="6">
               <a:spcBef>
@@ -2562,7 +2603,7 @@
               </a:spcBef>
               <a:buSzPts val="1200"/>
               <a:buChar char="●"/>
-              <a:defRPr sz="1200"/>
+              <a:defRPr sz="900"/>
             </a:lvl7pPr>
             <a:lvl8pPr lvl="7">
               <a:spcBef>
@@ -2570,7 +2611,7 @@
               </a:spcBef>
               <a:buSzPts val="1200"/>
               <a:buChar char="○"/>
-              <a:defRPr sz="1200"/>
+              <a:defRPr sz="900"/>
             </a:lvl8pPr>
             <a:lvl9pPr lvl="8">
               <a:spcBef>
@@ -2578,7 +2619,7 @@
               </a:spcBef>
               <a:buSzPts val="1200"/>
               <a:buChar char="■"/>
-              <a:defRPr sz="1200"/>
+              <a:defRPr sz="900"/>
             </a:lvl9pPr>
           </a:lstStyle>
           <a:p>
@@ -2598,8 +2639,8 @@
         </p:nvSpPr>
         <p:spPr>
           <a:xfrm>
-            <a:off x="4832400" y="1152475"/>
-            <a:ext cx="3999900" cy="3416400"/>
+            <a:off x="3624300" y="1152475"/>
+            <a:ext cx="2999925" cy="3416400"/>
           </a:xfrm>
           <a:prstGeom prst="rect">
             <a:avLst/>
@@ -2614,7 +2655,7 @@
               </a:spcBef>
               <a:buSzPts val="1400"/>
               <a:buChar char="●"/>
-              <a:defRPr sz="1400"/>
+              <a:defRPr sz="1050"/>
             </a:lvl1pPr>
             <a:lvl2pPr lvl="1">
               <a:spcBef>
@@ -2622,7 +2663,7 @@
               </a:spcBef>
               <a:buSzPts val="1200"/>
               <a:buChar char="○"/>
-              <a:defRPr sz="1200"/>
+              <a:defRPr sz="900"/>
             </a:lvl2pPr>
             <a:lvl3pPr lvl="2">
               <a:spcBef>
@@ -2630,7 +2671,7 @@
               </a:spcBef>
               <a:buSzPts val="1200"/>
               <a:buChar char="■"/>
-              <a:defRPr sz="1200"/>
+              <a:defRPr sz="900"/>
             </a:lvl3pPr>
             <a:lvl4pPr lvl="3">
               <a:spcBef>
@@ -2638,7 +2679,7 @@
               </a:spcBef>
               <a:buSzPts val="1200"/>
               <a:buChar char="●"/>
-              <a:defRPr sz="1200"/>
+              <a:defRPr sz="900"/>
             </a:lvl4pPr>
             <a:lvl5pPr lvl="4">
               <a:spcBef>
@@ -2646,7 +2687,7 @@
               </a:spcBef>
               <a:buSzPts val="1200"/>
               <a:buChar char="○"/>
-              <a:defRPr sz="1200"/>
+              <a:defRPr sz="900"/>
             </a:lvl5pPr>
             <a:lvl6pPr lvl="5">
               <a:spcBef>
@@ -2654,7 +2695,7 @@
               </a:spcBef>
               <a:buSzPts val="1200"/>
               <a:buChar char="■"/>
-              <a:defRPr sz="1200"/>
+              <a:defRPr sz="900"/>
             </a:lvl6pPr>
             <a:lvl7pPr lvl="6">
               <a:spcBef>
@@ -2662,7 +2703,7 @@
               </a:spcBef>
               <a:buSzPts val="1200"/>
               <a:buChar char="●"/>
-              <a:defRPr sz="1200"/>
+              <a:defRPr sz="900"/>
             </a:lvl7pPr>
             <a:lvl8pPr lvl="7">
               <a:spcBef>
@@ -2670,7 +2711,7 @@
               </a:spcBef>
               <a:buSzPts val="1200"/>
               <a:buChar char="○"/>
-              <a:defRPr sz="1200"/>
+              <a:defRPr sz="900"/>
             </a:lvl8pPr>
             <a:lvl9pPr lvl="8">
               <a:spcBef>
@@ -2678,7 +2719,7 @@
               </a:spcBef>
               <a:buSzPts val="1200"/>
               <a:buChar char="■"/>
-              <a:defRPr sz="1200"/>
+              <a:defRPr sz="900"/>
             </a:lvl9pPr>
           </a:lstStyle>
           <a:p>
@@ -2698,8 +2739,8 @@
         </p:nvSpPr>
         <p:spPr bwMode="auto">
           <a:xfrm>
-            <a:off x="8472488" y="4662488"/>
-            <a:ext cx="549275" cy="393700"/>
+            <a:off x="6354367" y="4662488"/>
+            <a:ext cx="411956" cy="393700"/>
           </a:xfrm>
           <a:prstGeom prst="rect">
             <a:avLst/>
@@ -2769,8 +2810,8 @@
         </p:nvSpPr>
         <p:spPr>
           <a:xfrm>
-            <a:off x="311700" y="445025"/>
-            <a:ext cx="8520600" cy="572700"/>
+            <a:off x="233775" y="445025"/>
+            <a:ext cx="6390450" cy="572700"/>
           </a:xfrm>
           <a:prstGeom prst="rect">
             <a:avLst/>
@@ -2869,8 +2910,8 @@
         </p:nvSpPr>
         <p:spPr bwMode="auto">
           <a:xfrm>
-            <a:off x="8472488" y="4662488"/>
-            <a:ext cx="549275" cy="393700"/>
+            <a:off x="6354367" y="4662488"/>
+            <a:ext cx="411956" cy="393700"/>
           </a:xfrm>
           <a:prstGeom prst="rect">
             <a:avLst/>
@@ -2940,8 +2981,8 @@
         </p:nvSpPr>
         <p:spPr>
           <a:xfrm>
-            <a:off x="311700" y="555600"/>
-            <a:ext cx="2808000" cy="755700"/>
+            <a:off x="233775" y="555600"/>
+            <a:ext cx="2106000" cy="755700"/>
           </a:xfrm>
           <a:prstGeom prst="rect">
             <a:avLst/>
@@ -2956,7 +2997,7 @@
               </a:spcBef>
               <a:buSzPts val="2400"/>
               <a:buNone/>
-              <a:defRPr sz="2400"/>
+              <a:defRPr sz="1800"/>
             </a:lvl1pPr>
             <a:lvl2pPr lvl="1">
               <a:spcBef>
@@ -2964,7 +3005,7 @@
               </a:spcBef>
               <a:buSzPts val="2400"/>
               <a:buNone/>
-              <a:defRPr sz="2400"/>
+              <a:defRPr sz="1800"/>
             </a:lvl2pPr>
             <a:lvl3pPr lvl="2">
               <a:spcBef>
@@ -2972,7 +3013,7 @@
               </a:spcBef>
               <a:buSzPts val="2400"/>
               <a:buNone/>
-              <a:defRPr sz="2400"/>
+              <a:defRPr sz="1800"/>
             </a:lvl3pPr>
             <a:lvl4pPr lvl="3">
               <a:spcBef>
@@ -2980,7 +3021,7 @@
               </a:spcBef>
               <a:buSzPts val="2400"/>
               <a:buNone/>
-              <a:defRPr sz="2400"/>
+              <a:defRPr sz="1800"/>
             </a:lvl4pPr>
             <a:lvl5pPr lvl="4">
               <a:spcBef>
@@ -2988,7 +3029,7 @@
               </a:spcBef>
               <a:buSzPts val="2400"/>
               <a:buNone/>
-              <a:defRPr sz="2400"/>
+              <a:defRPr sz="1800"/>
             </a:lvl5pPr>
             <a:lvl6pPr lvl="5">
               <a:spcBef>
@@ -2996,7 +3037,7 @@
               </a:spcBef>
               <a:buSzPts val="2400"/>
               <a:buNone/>
-              <a:defRPr sz="2400"/>
+              <a:defRPr sz="1800"/>
             </a:lvl6pPr>
             <a:lvl7pPr lvl="6">
               <a:spcBef>
@@ -3004,7 +3045,7 @@
               </a:spcBef>
               <a:buSzPts val="2400"/>
               <a:buNone/>
-              <a:defRPr sz="2400"/>
+              <a:defRPr sz="1800"/>
             </a:lvl7pPr>
             <a:lvl8pPr lvl="7">
               <a:spcBef>
@@ -3012,7 +3053,7 @@
               </a:spcBef>
               <a:buSzPts val="2400"/>
               <a:buNone/>
-              <a:defRPr sz="2400"/>
+              <a:defRPr sz="1800"/>
             </a:lvl8pPr>
             <a:lvl9pPr lvl="8">
               <a:spcBef>
@@ -3020,7 +3061,7 @@
               </a:spcBef>
               <a:buSzPts val="2400"/>
               <a:buNone/>
-              <a:defRPr sz="2400"/>
+              <a:defRPr sz="1800"/>
             </a:lvl9pPr>
           </a:lstStyle>
           <a:p>
@@ -3040,8 +3081,8 @@
         </p:nvSpPr>
         <p:spPr>
           <a:xfrm>
-            <a:off x="311700" y="1389600"/>
-            <a:ext cx="2808000" cy="3179400"/>
+            <a:off x="233775" y="1389600"/>
+            <a:ext cx="2106000" cy="3179400"/>
           </a:xfrm>
           <a:prstGeom prst="rect">
             <a:avLst/>
@@ -3056,7 +3097,7 @@
               </a:spcBef>
               <a:buSzPts val="1200"/>
               <a:buChar char="●"/>
-              <a:defRPr sz="1200"/>
+              <a:defRPr sz="900"/>
             </a:lvl1pPr>
             <a:lvl2pPr lvl="1">
               <a:spcBef>
@@ -3064,7 +3105,7 @@
               </a:spcBef>
               <a:buSzPts val="1200"/>
               <a:buChar char="○"/>
-              <a:defRPr sz="1200"/>
+              <a:defRPr sz="900"/>
             </a:lvl2pPr>
             <a:lvl3pPr lvl="2">
               <a:spcBef>
@@ -3072,7 +3113,7 @@
               </a:spcBef>
               <a:buSzPts val="1200"/>
               <a:buChar char="■"/>
-              <a:defRPr sz="1200"/>
+              <a:defRPr sz="900"/>
             </a:lvl3pPr>
             <a:lvl4pPr lvl="3">
               <a:spcBef>
@@ -3080,7 +3121,7 @@
               </a:spcBef>
               <a:buSzPts val="1200"/>
               <a:buChar char="●"/>
-              <a:defRPr sz="1200"/>
+              <a:defRPr sz="900"/>
             </a:lvl4pPr>
             <a:lvl5pPr lvl="4">
               <a:spcBef>
@@ -3088,7 +3129,7 @@
               </a:spcBef>
               <a:buSzPts val="1200"/>
               <a:buChar char="○"/>
-              <a:defRPr sz="1200"/>
+              <a:defRPr sz="900"/>
             </a:lvl5pPr>
             <a:lvl6pPr lvl="5">
               <a:spcBef>
@@ -3096,7 +3137,7 @@
               </a:spcBef>
               <a:buSzPts val="1200"/>
               <a:buChar char="■"/>
-              <a:defRPr sz="1200"/>
+              <a:defRPr sz="900"/>
             </a:lvl6pPr>
             <a:lvl7pPr lvl="6">
               <a:spcBef>
@@ -3104,7 +3145,7 @@
               </a:spcBef>
               <a:buSzPts val="1200"/>
               <a:buChar char="●"/>
-              <a:defRPr sz="1200"/>
+              <a:defRPr sz="900"/>
             </a:lvl7pPr>
             <a:lvl8pPr lvl="7">
               <a:spcBef>
@@ -3112,7 +3153,7 @@
               </a:spcBef>
               <a:buSzPts val="1200"/>
               <a:buChar char="○"/>
-              <a:defRPr sz="1200"/>
+              <a:defRPr sz="900"/>
             </a:lvl8pPr>
             <a:lvl9pPr lvl="8">
               <a:spcBef>
@@ -3120,7 +3161,7 @@
               </a:spcBef>
               <a:buSzPts val="1200"/>
               <a:buChar char="■"/>
-              <a:defRPr sz="1200"/>
+              <a:defRPr sz="900"/>
             </a:lvl9pPr>
           </a:lstStyle>
           <a:p>
@@ -3140,8 +3181,8 @@
         </p:nvSpPr>
         <p:spPr bwMode="auto">
           <a:xfrm>
-            <a:off x="8472488" y="4662488"/>
-            <a:ext cx="549275" cy="393700"/>
+            <a:off x="6354367" y="4662488"/>
+            <a:ext cx="411956" cy="393700"/>
           </a:xfrm>
           <a:prstGeom prst="rect">
             <a:avLst/>
@@ -3211,8 +3252,8 @@
         </p:nvSpPr>
         <p:spPr>
           <a:xfrm>
-            <a:off x="490250" y="450150"/>
-            <a:ext cx="6367800" cy="4090800"/>
+            <a:off x="367688" y="450150"/>
+            <a:ext cx="4775850" cy="4090800"/>
           </a:xfrm>
           <a:prstGeom prst="rect">
             <a:avLst/>
@@ -3227,7 +3268,7 @@
               </a:spcBef>
               <a:buSzPts val="4800"/>
               <a:buNone/>
-              <a:defRPr sz="4800"/>
+              <a:defRPr sz="3600"/>
             </a:lvl1pPr>
             <a:lvl2pPr lvl="1">
               <a:spcBef>
@@ -3235,7 +3276,7 @@
               </a:spcBef>
               <a:buSzPts val="4800"/>
               <a:buNone/>
-              <a:defRPr sz="4800"/>
+              <a:defRPr sz="3600"/>
             </a:lvl2pPr>
             <a:lvl3pPr lvl="2">
               <a:spcBef>
@@ -3243,7 +3284,7 @@
               </a:spcBef>
               <a:buSzPts val="4800"/>
               <a:buNone/>
-              <a:defRPr sz="4800"/>
+              <a:defRPr sz="3600"/>
             </a:lvl3pPr>
             <a:lvl4pPr lvl="3">
               <a:spcBef>
@@ -3251,7 +3292,7 @@
               </a:spcBef>
               <a:buSzPts val="4800"/>
               <a:buNone/>
-              <a:defRPr sz="4800"/>
+              <a:defRPr sz="3600"/>
             </a:lvl4pPr>
             <a:lvl5pPr lvl="4">
               <a:spcBef>
@@ -3259,7 +3300,7 @@
               </a:spcBef>
               <a:buSzPts val="4800"/>
               <a:buNone/>
-              <a:defRPr sz="4800"/>
+              <a:defRPr sz="3600"/>
             </a:lvl5pPr>
             <a:lvl6pPr lvl="5">
               <a:spcBef>
@@ -3267,7 +3308,7 @@
               </a:spcBef>
               <a:buSzPts val="4800"/>
               <a:buNone/>
-              <a:defRPr sz="4800"/>
+              <a:defRPr sz="3600"/>
             </a:lvl6pPr>
             <a:lvl7pPr lvl="6">
               <a:spcBef>
@@ -3275,7 +3316,7 @@
               </a:spcBef>
               <a:buSzPts val="4800"/>
               <a:buNone/>
-              <a:defRPr sz="4800"/>
+              <a:defRPr sz="3600"/>
             </a:lvl7pPr>
             <a:lvl8pPr lvl="7">
               <a:spcBef>
@@ -3283,7 +3324,7 @@
               </a:spcBef>
               <a:buSzPts val="4800"/>
               <a:buNone/>
-              <a:defRPr sz="4800"/>
+              <a:defRPr sz="3600"/>
             </a:lvl8pPr>
             <a:lvl9pPr lvl="8">
               <a:spcBef>
@@ -3291,7 +3332,7 @@
               </a:spcBef>
               <a:buSzPts val="4800"/>
               <a:buNone/>
-              <a:defRPr sz="4800"/>
+              <a:defRPr sz="3600"/>
             </a:lvl9pPr>
           </a:lstStyle>
           <a:p>
@@ -3311,8 +3352,8 @@
         </p:nvSpPr>
         <p:spPr bwMode="auto">
           <a:xfrm>
-            <a:off x="8472488" y="4662488"/>
-            <a:ext cx="549275" cy="393700"/>
+            <a:off x="6354367" y="4662488"/>
+            <a:ext cx="411956" cy="393700"/>
           </a:xfrm>
           <a:prstGeom prst="rect">
             <a:avLst/>
@@ -3380,8 +3421,8 @@
         </p:nvSpPr>
         <p:spPr bwMode="auto">
           <a:xfrm>
-            <a:off x="4572000" y="0"/>
-            <a:ext cx="4572000" cy="5143500"/>
+            <a:off x="3429000" y="0"/>
+            <a:ext cx="3429000" cy="5143500"/>
           </a:xfrm>
           <a:prstGeom prst="rect">
             <a:avLst/>
@@ -3397,10 +3438,10 @@
           </a:ln>
         </p:spPr>
         <p:txBody>
-          <a:bodyPr lIns="91425" tIns="91425" rIns="91425" bIns="91425" anchor="ctr"/>
+          <a:bodyPr lIns="68569" tIns="68569" rIns="68569" bIns="68569" anchor="ctr"/>
           <a:lstStyle/>
           <a:p>
-            <a:endParaRPr lang="ru-RU"/>
+            <a:endParaRPr lang="ru-RU" sz="1050"/>
           </a:p>
         </p:txBody>
       </p:sp>
@@ -3416,8 +3457,8 @@
         </p:nvSpPr>
         <p:spPr>
           <a:xfrm>
-            <a:off x="265500" y="1233175"/>
-            <a:ext cx="4045200" cy="1482300"/>
+            <a:off x="199125" y="1233175"/>
+            <a:ext cx="3033900" cy="1482300"/>
           </a:xfrm>
           <a:prstGeom prst="rect">
             <a:avLst/>
@@ -3432,7 +3473,7 @@
               </a:spcBef>
               <a:buSzPts val="4200"/>
               <a:buNone/>
-              <a:defRPr sz="4200"/>
+              <a:defRPr sz="3150"/>
             </a:lvl1pPr>
             <a:lvl2pPr lvl="1" algn="ctr">
               <a:spcBef>
@@ -3440,7 +3481,7 @@
               </a:spcBef>
               <a:buSzPts val="4200"/>
               <a:buNone/>
-              <a:defRPr sz="4200"/>
+              <a:defRPr sz="3150"/>
             </a:lvl2pPr>
             <a:lvl3pPr lvl="2" algn="ctr">
               <a:spcBef>
@@ -3448,7 +3489,7 @@
               </a:spcBef>
               <a:buSzPts val="4200"/>
               <a:buNone/>
-              <a:defRPr sz="4200"/>
+              <a:defRPr sz="3150"/>
             </a:lvl3pPr>
             <a:lvl4pPr lvl="3" algn="ctr">
               <a:spcBef>
@@ -3456,7 +3497,7 @@
               </a:spcBef>
               <a:buSzPts val="4200"/>
               <a:buNone/>
-              <a:defRPr sz="4200"/>
+              <a:defRPr sz="3150"/>
             </a:lvl4pPr>
             <a:lvl5pPr lvl="4" algn="ctr">
               <a:spcBef>
@@ -3464,7 +3505,7 @@
               </a:spcBef>
               <a:buSzPts val="4200"/>
               <a:buNone/>
-              <a:defRPr sz="4200"/>
+              <a:defRPr sz="3150"/>
             </a:lvl5pPr>
             <a:lvl6pPr lvl="5" algn="ctr">
               <a:spcBef>
@@ -3472,7 +3513,7 @@
               </a:spcBef>
               <a:buSzPts val="4200"/>
               <a:buNone/>
-              <a:defRPr sz="4200"/>
+              <a:defRPr sz="3150"/>
             </a:lvl6pPr>
             <a:lvl7pPr lvl="6" algn="ctr">
               <a:spcBef>
@@ -3480,7 +3521,7 @@
               </a:spcBef>
               <a:buSzPts val="4200"/>
               <a:buNone/>
-              <a:defRPr sz="4200"/>
+              <a:defRPr sz="3150"/>
             </a:lvl7pPr>
             <a:lvl8pPr lvl="7" algn="ctr">
               <a:spcBef>
@@ -3488,7 +3529,7 @@
               </a:spcBef>
               <a:buSzPts val="4200"/>
               <a:buNone/>
-              <a:defRPr sz="4200"/>
+              <a:defRPr sz="3150"/>
             </a:lvl8pPr>
             <a:lvl9pPr lvl="8" algn="ctr">
               <a:spcBef>
@@ -3496,7 +3537,7 @@
               </a:spcBef>
               <a:buSzPts val="4200"/>
               <a:buNone/>
-              <a:defRPr sz="4200"/>
+              <a:defRPr sz="3150"/>
             </a:lvl9pPr>
           </a:lstStyle>
           <a:p>
@@ -3516,8 +3557,8 @@
         </p:nvSpPr>
         <p:spPr>
           <a:xfrm>
-            <a:off x="265500" y="2803075"/>
-            <a:ext cx="4045200" cy="1235100"/>
+            <a:off x="199125" y="2803075"/>
+            <a:ext cx="3033900" cy="1235100"/>
           </a:xfrm>
           <a:prstGeom prst="rect">
             <a:avLst/>
@@ -3538,7 +3579,7 @@
               </a:spcAft>
               <a:buSzPts val="2100"/>
               <a:buNone/>
-              <a:defRPr sz="2100"/>
+              <a:defRPr sz="1575"/>
             </a:lvl1pPr>
             <a:lvl2pPr lvl="1" algn="ctr">
               <a:lnSpc>
@@ -3552,7 +3593,7 @@
               </a:spcAft>
               <a:buSzPts val="2100"/>
               <a:buNone/>
-              <a:defRPr sz="2100"/>
+              <a:defRPr sz="1575"/>
             </a:lvl2pPr>
             <a:lvl3pPr lvl="2" algn="ctr">
               <a:lnSpc>
@@ -3566,7 +3607,7 @@
               </a:spcAft>
               <a:buSzPts val="2100"/>
               <a:buNone/>
-              <a:defRPr sz="2100"/>
+              <a:defRPr sz="1575"/>
             </a:lvl3pPr>
             <a:lvl4pPr lvl="3" algn="ctr">
               <a:lnSpc>
@@ -3580,7 +3621,7 @@
               </a:spcAft>
               <a:buSzPts val="2100"/>
               <a:buNone/>
-              <a:defRPr sz="2100"/>
+              <a:defRPr sz="1575"/>
             </a:lvl4pPr>
             <a:lvl5pPr lvl="4" algn="ctr">
               <a:lnSpc>
@@ -3594,7 +3635,7 @@
               </a:spcAft>
               <a:buSzPts val="2100"/>
               <a:buNone/>
-              <a:defRPr sz="2100"/>
+              <a:defRPr sz="1575"/>
             </a:lvl5pPr>
             <a:lvl6pPr lvl="5" algn="ctr">
               <a:lnSpc>
@@ -3608,7 +3649,7 @@
               </a:spcAft>
               <a:buSzPts val="2100"/>
               <a:buNone/>
-              <a:defRPr sz="2100"/>
+              <a:defRPr sz="1575"/>
             </a:lvl6pPr>
             <a:lvl7pPr lvl="6" algn="ctr">
               <a:lnSpc>
@@ -3622,7 +3663,7 @@
               </a:spcAft>
               <a:buSzPts val="2100"/>
               <a:buNone/>
-              <a:defRPr sz="2100"/>
+              <a:defRPr sz="1575"/>
             </a:lvl7pPr>
             <a:lvl8pPr lvl="7" algn="ctr">
               <a:lnSpc>
@@ -3636,7 +3677,7 @@
               </a:spcAft>
               <a:buSzPts val="2100"/>
               <a:buNone/>
-              <a:defRPr sz="2100"/>
+              <a:defRPr sz="1575"/>
             </a:lvl8pPr>
             <a:lvl9pPr lvl="8" algn="ctr">
               <a:lnSpc>
@@ -3650,7 +3691,7 @@
               </a:spcAft>
               <a:buSzPts val="2100"/>
               <a:buNone/>
-              <a:defRPr sz="2100"/>
+              <a:defRPr sz="1575"/>
             </a:lvl9pPr>
           </a:lstStyle>
           <a:p>
@@ -3670,8 +3711,8 @@
         </p:nvSpPr>
         <p:spPr>
           <a:xfrm>
-            <a:off x="4939500" y="724075"/>
-            <a:ext cx="3837000" cy="3695100"/>
+            <a:off x="3704625" y="724075"/>
+            <a:ext cx="2877750" cy="3695100"/>
           </a:xfrm>
           <a:prstGeom prst="rect">
             <a:avLst/>
@@ -3770,8 +3811,8 @@
         </p:nvSpPr>
         <p:spPr bwMode="auto">
           <a:xfrm>
-            <a:off x="8472488" y="4662488"/>
-            <a:ext cx="549275" cy="393700"/>
+            <a:off x="6354367" y="4662488"/>
+            <a:ext cx="411956" cy="393700"/>
           </a:xfrm>
           <a:prstGeom prst="rect">
             <a:avLst/>
@@ -3841,8 +3882,8 @@
         </p:nvSpPr>
         <p:spPr>
           <a:xfrm>
-            <a:off x="311700" y="4230575"/>
-            <a:ext cx="5998800" cy="605100"/>
+            <a:off x="233775" y="4230575"/>
+            <a:ext cx="4499100" cy="605100"/>
           </a:xfrm>
           <a:prstGeom prst="rect">
             <a:avLst/>
@@ -3883,8 +3924,8 @@
         </p:nvSpPr>
         <p:spPr bwMode="auto">
           <a:xfrm>
-            <a:off x="8472488" y="4662488"/>
-            <a:ext cx="549275" cy="393700"/>
+            <a:off x="6354367" y="4662488"/>
+            <a:ext cx="411956" cy="393700"/>
           </a:xfrm>
           <a:prstGeom prst="rect">
             <a:avLst/>
@@ -3962,8 +4003,8 @@
         </p:nvSpPr>
         <p:spPr bwMode="auto">
           <a:xfrm>
-            <a:off x="311150" y="444500"/>
-            <a:ext cx="8521700" cy="573088"/>
+            <a:off x="233363" y="444500"/>
+            <a:ext cx="6391275" cy="573088"/>
           </a:xfrm>
           <a:prstGeom prst="rect">
             <a:avLst/>
@@ -4003,8 +4044,8 @@
         </p:nvSpPr>
         <p:spPr bwMode="auto">
           <a:xfrm>
-            <a:off x="311150" y="1152525"/>
-            <a:ext cx="8521700" cy="3416300"/>
+            <a:off x="233363" y="1152525"/>
+            <a:ext cx="6391275" cy="3416300"/>
           </a:xfrm>
           <a:prstGeom prst="rect">
             <a:avLst/>
@@ -4042,8 +4083,8 @@
         </p:nvSpPr>
         <p:spPr bwMode="auto">
           <a:xfrm>
-            <a:off x="8472488" y="4662488"/>
-            <a:ext cx="549275" cy="393700"/>
+            <a:off x="6354367" y="4662488"/>
+            <a:ext cx="411956" cy="393700"/>
           </a:xfrm>
           <a:prstGeom prst="rect">
             <a:avLst/>
@@ -4057,12 +4098,12 @@
           </a:ln>
         </p:spPr>
         <p:txBody>
-          <a:bodyPr lIns="91425" tIns="91425" rIns="91425" bIns="91425" anchor="ctr"/>
+          <a:bodyPr lIns="68569" tIns="68569" rIns="68569" bIns="68569" anchor="ctr"/>
           <a:lstStyle/>
           <a:p>
             <a:pPr algn="r"/>
             <a:fld id="{84F93B6C-EC22-4158-8E59-476B7027556B}" type="slidenum">
-              <a:rPr lang="ru-RU" sz="1000">
+              <a:rPr lang="ru-RU" sz="750">
                 <a:solidFill>
                   <a:srgbClr val="595959"/>
                 </a:solidFill>
@@ -4070,7 +4111,7 @@
               <a:pPr algn="r"/>
               <a:t>‹#›</a:t>
             </a:fld>
-            <a:endParaRPr lang="ru-RU" sz="1000">
+            <a:endParaRPr lang="ru-RU" sz="750">
               <a:solidFill>
                 <a:srgbClr val="595959"/>
               </a:solidFill>
@@ -4115,7 +4156,7 @@
         <a:spcAft>
           <a:spcPct val="0"/>
         </a:spcAft>
-        <a:defRPr sz="1400">
+        <a:defRPr sz="1050">
           <a:solidFill>
             <a:srgbClr val="000000"/>
           </a:solidFill>
@@ -4132,7 +4173,7 @@
         <a:spcAft>
           <a:spcPct val="0"/>
         </a:spcAft>
-        <a:defRPr sz="1400">
+        <a:defRPr sz="1050">
           <a:solidFill>
             <a:srgbClr val="000000"/>
           </a:solidFill>
@@ -4148,7 +4189,7 @@
         <a:spcAft>
           <a:spcPct val="0"/>
         </a:spcAft>
-        <a:defRPr sz="1400">
+        <a:defRPr sz="1050">
           <a:solidFill>
             <a:srgbClr val="000000"/>
           </a:solidFill>
@@ -4164,7 +4205,7 @@
         <a:spcAft>
           <a:spcPct val="0"/>
         </a:spcAft>
-        <a:defRPr sz="1400">
+        <a:defRPr sz="1050">
           <a:solidFill>
             <a:srgbClr val="000000"/>
           </a:solidFill>
@@ -4180,7 +4221,7 @@
         <a:spcAft>
           <a:spcPct val="0"/>
         </a:spcAft>
-        <a:defRPr sz="1400">
+        <a:defRPr sz="1050">
           <a:solidFill>
             <a:srgbClr val="000000"/>
           </a:solidFill>
@@ -4189,14 +4230,14 @@
           <a:sym typeface="Arial" charset="0"/>
         </a:defRPr>
       </a:lvl5pPr>
-      <a:lvl6pPr marL="457200" algn="l" rtl="0" eaLnBrk="0" fontAlgn="base" hangingPunct="0">
+      <a:lvl6pPr marL="342900" algn="l" rtl="0" eaLnBrk="0" fontAlgn="base" hangingPunct="0">
         <a:spcBef>
           <a:spcPct val="0"/>
         </a:spcBef>
         <a:spcAft>
           <a:spcPct val="0"/>
         </a:spcAft>
-        <a:defRPr sz="1400">
+        <a:defRPr sz="1050">
           <a:solidFill>
             <a:srgbClr val="000000"/>
           </a:solidFill>
@@ -4205,14 +4246,14 @@
           <a:sym typeface="Arial" charset="0"/>
         </a:defRPr>
       </a:lvl6pPr>
-      <a:lvl7pPr marL="914400" algn="l" rtl="0" eaLnBrk="0" fontAlgn="base" hangingPunct="0">
+      <a:lvl7pPr marL="685800" algn="l" rtl="0" eaLnBrk="0" fontAlgn="base" hangingPunct="0">
         <a:spcBef>
           <a:spcPct val="0"/>
         </a:spcBef>
         <a:spcAft>
           <a:spcPct val="0"/>
         </a:spcAft>
-        <a:defRPr sz="1400">
+        <a:defRPr sz="1050">
           <a:solidFill>
             <a:srgbClr val="000000"/>
           </a:solidFill>
@@ -4221,14 +4262,14 @@
           <a:sym typeface="Arial" charset="0"/>
         </a:defRPr>
       </a:lvl7pPr>
-      <a:lvl8pPr marL="1371600" algn="l" rtl="0" eaLnBrk="0" fontAlgn="base" hangingPunct="0">
+      <a:lvl8pPr marL="1028700" algn="l" rtl="0" eaLnBrk="0" fontAlgn="base" hangingPunct="0">
         <a:spcBef>
           <a:spcPct val="0"/>
         </a:spcBef>
         <a:spcAft>
           <a:spcPct val="0"/>
         </a:spcAft>
-        <a:defRPr sz="1400">
+        <a:defRPr sz="1050">
           <a:solidFill>
             <a:srgbClr val="000000"/>
           </a:solidFill>
@@ -4237,14 +4278,14 @@
           <a:sym typeface="Arial" charset="0"/>
         </a:defRPr>
       </a:lvl8pPr>
-      <a:lvl9pPr marL="1828800" algn="l" rtl="0" eaLnBrk="0" fontAlgn="base" hangingPunct="0">
+      <a:lvl9pPr marL="1371600" algn="l" rtl="0" eaLnBrk="0" fontAlgn="base" hangingPunct="0">
         <a:spcBef>
           <a:spcPct val="0"/>
         </a:spcBef>
         <a:spcAft>
           <a:spcPct val="0"/>
         </a:spcAft>
-        <a:defRPr sz="1400">
+        <a:defRPr sz="1050">
           <a:solidFill>
             <a:srgbClr val="000000"/>
           </a:solidFill>
@@ -4273,7 +4314,7 @@
         <a:spcAft>
           <a:spcPct val="0"/>
         </a:spcAft>
-        <a:defRPr sz="1400">
+        <a:defRPr sz="1050">
           <a:solidFill>
             <a:srgbClr val="000000"/>
           </a:solidFill>
@@ -4290,7 +4331,7 @@
         <a:spcAft>
           <a:spcPct val="0"/>
         </a:spcAft>
-        <a:defRPr sz="1400">
+        <a:defRPr sz="1050">
           <a:solidFill>
             <a:srgbClr val="000000"/>
           </a:solidFill>
@@ -4307,7 +4348,7 @@
         <a:spcAft>
           <a:spcPct val="0"/>
         </a:spcAft>
-        <a:defRPr sz="1400">
+        <a:defRPr sz="1050">
           <a:solidFill>
             <a:srgbClr val="000000"/>
           </a:solidFill>
@@ -4324,7 +4365,7 @@
         <a:spcAft>
           <a:spcPct val="0"/>
         </a:spcAft>
-        <a:defRPr sz="1400">
+        <a:defRPr sz="1050">
           <a:solidFill>
             <a:srgbClr val="000000"/>
           </a:solidFill>
@@ -4341,7 +4382,7 @@
         <a:spcAft>
           <a:spcPct val="0"/>
         </a:spcAft>
-        <a:defRPr sz="1400">
+        <a:defRPr sz="1050">
           <a:solidFill>
             <a:srgbClr val="000000"/>
           </a:solidFill>
@@ -4362,7 +4403,7 @@
           <a:spcPts val="0"/>
         </a:spcAft>
         <a:buNone/>
-        <a:defRPr sz="1400" b="0" i="0" u="none" strike="noStrike" cap="none">
+        <a:defRPr sz="1050" b="0" i="0" u="none" strike="noStrike" cap="none">
           <a:solidFill>
             <a:srgbClr val="000000"/>
           </a:solidFill>
@@ -4383,7 +4424,7 @@
           <a:spcPts val="0"/>
         </a:spcAft>
         <a:buNone/>
-        <a:defRPr sz="1400" b="0" i="0" u="none" strike="noStrike" cap="none">
+        <a:defRPr sz="1050" b="0" i="0" u="none" strike="noStrike" cap="none">
           <a:solidFill>
             <a:srgbClr val="000000"/>
           </a:solidFill>
@@ -4404,7 +4445,7 @@
           <a:spcPts val="0"/>
         </a:spcAft>
         <a:buNone/>
-        <a:defRPr sz="1400" b="0" i="0" u="none" strike="noStrike" cap="none">
+        <a:defRPr sz="1050" b="0" i="0" u="none" strike="noStrike" cap="none">
           <a:solidFill>
             <a:srgbClr val="000000"/>
           </a:solidFill>
@@ -4425,7 +4466,7 @@
           <a:spcPts val="0"/>
         </a:spcAft>
         <a:buNone/>
-        <a:defRPr sz="1400" b="0" i="0" u="none" strike="noStrike" cap="none">
+        <a:defRPr sz="1050" b="0" i="0" u="none" strike="noStrike" cap="none">
           <a:solidFill>
             <a:srgbClr val="000000"/>
           </a:solidFill>
@@ -4459,7 +4500,7 @@
           <a:spcPts val="0"/>
         </a:spcAft>
         <a:buNone/>
-        <a:defRPr sz="1400" b="0" i="0" u="none" strike="noStrike" cap="none">
+        <a:defRPr sz="1050" b="0" i="0" u="none" strike="noStrike" cap="none">
           <a:solidFill>
             <a:srgbClr val="000000"/>
           </a:solidFill>
@@ -4480,7 +4521,7 @@
           <a:spcPts val="0"/>
         </a:spcAft>
         <a:buNone/>
-        <a:defRPr sz="1400" b="0" i="0" u="none" strike="noStrike" cap="none">
+        <a:defRPr sz="1050" b="0" i="0" u="none" strike="noStrike" cap="none">
           <a:solidFill>
             <a:srgbClr val="000000"/>
           </a:solidFill>
@@ -4501,7 +4542,7 @@
           <a:spcPts val="0"/>
         </a:spcAft>
         <a:buNone/>
-        <a:defRPr sz="1400" b="0" i="0" u="none" strike="noStrike" cap="none">
+        <a:defRPr sz="1050" b="0" i="0" u="none" strike="noStrike" cap="none">
           <a:solidFill>
             <a:srgbClr val="000000"/>
           </a:solidFill>
@@ -4522,7 +4563,7 @@
           <a:spcPts val="0"/>
         </a:spcAft>
         <a:buNone/>
-        <a:defRPr sz="1400" b="0" i="0" u="none" strike="noStrike" cap="none">
+        <a:defRPr sz="1050" b="0" i="0" u="none" strike="noStrike" cap="none">
           <a:solidFill>
             <a:srgbClr val="000000"/>
           </a:solidFill>
@@ -4543,7 +4584,7 @@
           <a:spcPts val="0"/>
         </a:spcAft>
         <a:buNone/>
-        <a:defRPr sz="1400" b="0" i="0" u="none" strike="noStrike" cap="none">
+        <a:defRPr sz="1050" b="0" i="0" u="none" strike="noStrike" cap="none">
           <a:solidFill>
             <a:srgbClr val="000000"/>
           </a:solidFill>
@@ -4564,7 +4605,7 @@
           <a:spcPts val="0"/>
         </a:spcAft>
         <a:buNone/>
-        <a:defRPr sz="1400" b="0" i="0" u="none" strike="noStrike" cap="none">
+        <a:defRPr sz="1050" b="0" i="0" u="none" strike="noStrike" cap="none">
           <a:solidFill>
             <a:srgbClr val="000000"/>
           </a:solidFill>
@@ -4585,7 +4626,7 @@
           <a:spcPts val="0"/>
         </a:spcAft>
         <a:buNone/>
-        <a:defRPr sz="1400" b="0" i="0" u="none" strike="noStrike" cap="none">
+        <a:defRPr sz="1050" b="0" i="0" u="none" strike="noStrike" cap="none">
           <a:solidFill>
             <a:srgbClr val="000000"/>
           </a:solidFill>
@@ -4606,7 +4647,7 @@
           <a:spcPts val="0"/>
         </a:spcAft>
         <a:buNone/>
-        <a:defRPr sz="1400" b="0" i="0" u="none" strike="noStrike" cap="none">
+        <a:defRPr sz="1050" b="0" i="0" u="none" strike="noStrike" cap="none">
           <a:solidFill>
             <a:srgbClr val="000000"/>
           </a:solidFill>
@@ -4627,7 +4668,7 @@
           <a:spcPts val="0"/>
         </a:spcAft>
         <a:buNone/>
-        <a:defRPr sz="1400" b="0" i="0" u="none" strike="noStrike" cap="none">
+        <a:defRPr sz="1050" b="0" i="0" u="none" strike="noStrike" cap="none">
           <a:solidFill>
             <a:srgbClr val="000000"/>
           </a:solidFill>
@@ -4671,8 +4712,8 @@
         </p:nvSpPr>
         <p:spPr>
           <a:xfrm>
-            <a:off x="206375" y="2301875"/>
-            <a:ext cx="8520113" cy="1138238"/>
+            <a:off x="154782" y="2369344"/>
+            <a:ext cx="6390085" cy="853679"/>
           </a:xfrm>
         </p:spPr>
         <p:txBody>
@@ -4688,7 +4729,7 @@
               </a:buClr>
             </a:pPr>
             <a:r>
-              <a:rPr lang="ru-RU" sz="1800" dirty="0">
+              <a:rPr lang="ru-RU" sz="1350" dirty="0">
                 <a:latin typeface="Times New Roman" pitchFamily="18" charset="0"/>
                 <a:cs typeface="Times New Roman" pitchFamily="18" charset="0"/>
                 <a:sym typeface="Times New Roman" pitchFamily="18" charset="0"/>
@@ -4696,7 +4737,7 @@
               <a:t>Разработка компонента чтения и </a:t>
             </a:r>
             <a:r>
-              <a:rPr lang="ru-RU" sz="1800" dirty="0" err="1">
+              <a:rPr lang="ru-RU" sz="1350" dirty="0" err="1">
                 <a:latin typeface="Times New Roman" pitchFamily="18" charset="0"/>
                 <a:cs typeface="Times New Roman" pitchFamily="18" charset="0"/>
                 <a:sym typeface="Times New Roman" pitchFamily="18" charset="0"/>
@@ -4704,7 +4745,7 @@
               <a:t>парсинга</a:t>
             </a:r>
             <a:r>
-              <a:rPr lang="ru-RU" sz="1800" dirty="0">
+              <a:rPr lang="ru-RU" sz="1350" dirty="0">
                 <a:latin typeface="Times New Roman" pitchFamily="18" charset="0"/>
                 <a:cs typeface="Times New Roman" pitchFamily="18" charset="0"/>
                 <a:sym typeface="Times New Roman" pitchFamily="18" charset="0"/>
@@ -4712,7 +4753,7 @@
               <a:t> файла </a:t>
             </a:r>
             <a:r>
-              <a:rPr lang="ru-RU" sz="1800" dirty="0" err="1">
+              <a:rPr lang="ru-RU" sz="1350" dirty="0" err="1">
                 <a:latin typeface="Times New Roman" pitchFamily="18" charset="0"/>
                 <a:cs typeface="Times New Roman" pitchFamily="18" charset="0"/>
                 <a:sym typeface="Times New Roman" pitchFamily="18" charset="0"/>
@@ -4720,7 +4761,7 @@
               <a:t>IPTables</a:t>
             </a:r>
             <a:r>
-              <a:rPr lang="ru-RU" sz="1800" dirty="0">
+              <a:rPr lang="ru-RU" sz="1350" dirty="0">
                 <a:latin typeface="Times New Roman" pitchFamily="18" charset="0"/>
                 <a:cs typeface="Times New Roman" pitchFamily="18" charset="0"/>
                 <a:sym typeface="Times New Roman" pitchFamily="18" charset="0"/>
@@ -4728,7 +4769,7 @@
               <a:t> с использованием </a:t>
             </a:r>
             <a:r>
-              <a:rPr lang="ru-RU" sz="1800" dirty="0" err="1">
+              <a:rPr lang="ru-RU" sz="1350" dirty="0" err="1">
                 <a:latin typeface="Times New Roman" pitchFamily="18" charset="0"/>
                 <a:cs typeface="Times New Roman" pitchFamily="18" charset="0"/>
                 <a:sym typeface="Times New Roman" pitchFamily="18" charset="0"/>
@@ -4736,7 +4777,7 @@
               <a:t>Eclipse</a:t>
             </a:r>
             <a:r>
-              <a:rPr lang="ru-RU" sz="1800" dirty="0">
+              <a:rPr lang="ru-RU" sz="1350" dirty="0">
                 <a:latin typeface="Times New Roman" pitchFamily="18" charset="0"/>
                 <a:cs typeface="Times New Roman" pitchFamily="18" charset="0"/>
                 <a:sym typeface="Times New Roman" pitchFamily="18" charset="0"/>
@@ -4744,14 +4785,14 @@
               <a:t> </a:t>
             </a:r>
             <a:r>
-              <a:rPr lang="ru-RU" sz="1800" dirty="0" err="1" smtClean="0">
+              <a:rPr lang="ru-RU" sz="1350" dirty="0" err="1">
                 <a:latin typeface="Times New Roman" pitchFamily="18" charset="0"/>
                 <a:cs typeface="Times New Roman" pitchFamily="18" charset="0"/>
                 <a:sym typeface="Times New Roman" pitchFamily="18" charset="0"/>
               </a:rPr>
               <a:t>Xtext</a:t>
             </a:r>
-            <a:endParaRPr lang="ru-RU" sz="1800" dirty="0" smtClean="0">
+            <a:endParaRPr lang="ru-RU" sz="1350" dirty="0">
               <a:latin typeface="Times New Roman" pitchFamily="18" charset="0"/>
               <a:cs typeface="Times New Roman" pitchFamily="18" charset="0"/>
               <a:sym typeface="Times New Roman" pitchFamily="18" charset="0"/>
@@ -4771,8 +4812,8 @@
         </p:nvSpPr>
         <p:spPr>
           <a:xfrm>
-            <a:off x="6338888" y="3611563"/>
-            <a:ext cx="2662237" cy="1092200"/>
+            <a:off x="4754166" y="3351610"/>
+            <a:ext cx="1996678" cy="819150"/>
           </a:xfrm>
         </p:spPr>
         <p:txBody>
@@ -4791,7 +4832,7 @@
               </a:buClr>
             </a:pPr>
             <a:r>
-              <a:rPr lang="ru-RU" sz="1800" dirty="0" smtClean="0">
+              <a:rPr lang="ru-RU" sz="1350" dirty="0">
                 <a:solidFill>
                   <a:srgbClr val="595959"/>
                 </a:solidFill>
@@ -4801,14 +4842,6 @@
               </a:rPr>
               <a:t>Подготовил:</a:t>
             </a:r>
-            <a:endParaRPr lang="ru-RU" sz="1800" dirty="0" smtClean="0">
-              <a:solidFill>
-                <a:srgbClr val="595959"/>
-              </a:solidFill>
-              <a:latin typeface="Times New Roman" pitchFamily="18" charset="0"/>
-              <a:cs typeface="Times New Roman" pitchFamily="18" charset="0"/>
-              <a:sym typeface="Times New Roman" pitchFamily="18" charset="0"/>
-            </a:endParaRPr>
           </a:p>
           <a:p>
             <a:pPr eaLnBrk="1" hangingPunct="1">
@@ -4823,7 +4856,7 @@
               </a:buClr>
             </a:pPr>
             <a:r>
-              <a:rPr lang="ru-RU" sz="1800" dirty="0" err="1" smtClean="0">
+              <a:rPr lang="ru-RU" sz="1350" dirty="0" err="1">
                 <a:solidFill>
                   <a:srgbClr val="595959"/>
                 </a:solidFill>
@@ -4834,7 +4867,7 @@
               <a:t>Гарвилов</a:t>
             </a:r>
             <a:r>
-              <a:rPr lang="ru-RU" sz="1800" dirty="0" smtClean="0">
+              <a:rPr lang="ru-RU" sz="1350" dirty="0">
                 <a:solidFill>
                   <a:srgbClr val="595959"/>
                 </a:solidFill>
@@ -4844,14 +4877,6 @@
               </a:rPr>
               <a:t> Михаил</a:t>
             </a:r>
-            <a:endParaRPr lang="ru-RU" sz="1800" dirty="0" smtClean="0">
-              <a:solidFill>
-                <a:srgbClr val="595959"/>
-              </a:solidFill>
-              <a:latin typeface="Times New Roman" pitchFamily="18" charset="0"/>
-              <a:cs typeface="Times New Roman" pitchFamily="18" charset="0"/>
-              <a:sym typeface="Times New Roman" pitchFamily="18" charset="0"/>
-            </a:endParaRPr>
           </a:p>
           <a:p>
             <a:pPr eaLnBrk="1" hangingPunct="1">
@@ -4866,7 +4891,7 @@
               </a:buClr>
             </a:pPr>
             <a:r>
-              <a:rPr lang="ru-RU" sz="1800" dirty="0" smtClean="0">
+              <a:rPr lang="ru-RU" sz="1350" dirty="0">
                 <a:solidFill>
                   <a:srgbClr val="595959"/>
                 </a:solidFill>
@@ -4889,8 +4914,8 @@
         </p:nvSpPr>
         <p:spPr bwMode="auto">
           <a:xfrm>
-            <a:off x="360363" y="0"/>
-            <a:ext cx="8783637" cy="1138238"/>
+            <a:off x="270273" y="642937"/>
+            <a:ext cx="6587728" cy="853679"/>
           </a:xfrm>
           <a:prstGeom prst="rect">
             <a:avLst/>
@@ -4904,12 +4929,12 @@
           </a:ln>
         </p:spPr>
         <p:txBody>
-          <a:bodyPr lIns="91425" tIns="91425" rIns="91425" bIns="91425" anchor="ctr"/>
+          <a:bodyPr lIns="68569" tIns="68569" rIns="68569" bIns="68569" anchor="ctr"/>
           <a:lstStyle/>
           <a:p>
             <a:pPr algn="ctr"/>
             <a:r>
-              <a:rPr lang="ru-RU" sz="1800">
+              <a:rPr lang="ru-RU" sz="1350">
                 <a:latin typeface="Times New Roman" pitchFamily="18" charset="0"/>
                 <a:cs typeface="Times New Roman" pitchFamily="18" charset="0"/>
                 <a:sym typeface="Times New Roman" pitchFamily="18" charset="0"/>
@@ -4920,7 +4945,7 @@
           <a:p>
             <a:pPr algn="ctr"/>
             <a:r>
-              <a:rPr lang="ru-RU" sz="1800">
+              <a:rPr lang="ru-RU" sz="1350">
                 <a:latin typeface="Times New Roman" pitchFamily="18" charset="0"/>
                 <a:cs typeface="Times New Roman" pitchFamily="18" charset="0"/>
                 <a:sym typeface="Times New Roman" pitchFamily="18" charset="0"/>
@@ -4940,8 +4965,8 @@
         </p:nvSpPr>
         <p:spPr bwMode="auto">
           <a:xfrm>
-            <a:off x="0" y="592138"/>
-            <a:ext cx="9144000" cy="1487487"/>
+            <a:off x="0" y="1087042"/>
+            <a:ext cx="6858000" cy="1115615"/>
           </a:xfrm>
           <a:prstGeom prst="rect">
             <a:avLst/>
@@ -4955,12 +4980,12 @@
           </a:ln>
         </p:spPr>
         <p:txBody>
-          <a:bodyPr lIns="91425" tIns="91425" rIns="91425" bIns="91425" anchor="ctr"/>
+          <a:bodyPr lIns="68569" tIns="68569" rIns="68569" bIns="68569" anchor="ctr"/>
           <a:lstStyle/>
           <a:p>
             <a:pPr algn="ctr"/>
             <a:r>
-              <a:rPr lang="ru-RU" sz="1800">
+              <a:rPr lang="ru-RU" sz="1350">
                 <a:latin typeface="Times New Roman" pitchFamily="18" charset="0"/>
                 <a:cs typeface="Times New Roman" pitchFamily="18" charset="0"/>
                 <a:sym typeface="Times New Roman" pitchFamily="18" charset="0"/>
@@ -4971,7 +4996,7 @@
           <a:p>
             <a:pPr algn="ctr"/>
             <a:r>
-              <a:rPr lang="ru-RU" sz="1800">
+              <a:rPr lang="ru-RU" sz="1350">
                 <a:latin typeface="Times New Roman" pitchFamily="18" charset="0"/>
                 <a:cs typeface="Times New Roman" pitchFamily="18" charset="0"/>
                 <a:sym typeface="Times New Roman" pitchFamily="18" charset="0"/>
@@ -4982,7 +5007,7 @@
           <a:p>
             <a:pPr algn="ctr"/>
             <a:r>
-              <a:rPr lang="ru-RU" sz="1800">
+              <a:rPr lang="ru-RU" sz="1350">
                 <a:latin typeface="Times New Roman" pitchFamily="18" charset="0"/>
                 <a:cs typeface="Times New Roman" pitchFamily="18" charset="0"/>
                 <a:sym typeface="Times New Roman" pitchFamily="18" charset="0"/>
@@ -5009,8 +5034,8 @@
         </p:blipFill>
         <p:spPr bwMode="auto">
           <a:xfrm>
-            <a:off x="120650" y="261938"/>
-            <a:ext cx="1138238" cy="1138237"/>
+            <a:off x="90487" y="839391"/>
+            <a:ext cx="853679" cy="853678"/>
           </a:xfrm>
           <a:prstGeom prst="rect">
             <a:avLst/>
@@ -5024,11 +5049,48 @@
           </a:ln>
         </p:spPr>
       </p:pic>
+      <p:sp>
+        <p:nvSpPr>
+          <p:cNvPr id="2" name="TextBox 1"/>
+          <p:cNvSpPr txBox="1"/>
+          <p:nvPr/>
+        </p:nvSpPr>
+        <p:spPr>
+          <a:xfrm>
+            <a:off x="2186653" y="2202657"/>
+            <a:ext cx="2326342" cy="307777"/>
+          </a:xfrm>
+          <a:prstGeom prst="rect">
+            <a:avLst/>
+          </a:prstGeom>
+          <a:noFill/>
+        </p:spPr>
+        <p:txBody>
+          <a:bodyPr wrap="none" rtlCol="0">
+            <a:spAutoFit/>
+          </a:bodyPr>
+          <a:lstStyle/>
+          <a:p>
+            <a:r>
+              <a:rPr lang="ru-RU" dirty="0" smtClean="0"/>
+              <a:t>Курсовая работа на тему:</a:t>
+            </a:r>
+            <a:endParaRPr lang="ru-RU" dirty="0"/>
+          </a:p>
+        </p:txBody>
+      </p:sp>
     </p:spTree>
   </p:cSld>
   <p:clrMapOvr>
     <a:masterClrMapping/>
   </p:clrMapOvr>
+  <p:timing>
+    <p:tnLst>
+      <p:par>
+        <p:cTn id="1" dur="indefinite" restart="never" nodeType="tmRoot"/>
+      </p:par>
+    </p:tnLst>
+  </p:timing>
 </p:sld>
 </file>
 
@@ -5071,8 +5133,8 @@
         </p:blipFill>
         <p:spPr>
           <a:xfrm>
-            <a:off x="296531" y="1419622"/>
-            <a:ext cx="7952116" cy="3096344"/>
+            <a:off x="222398" y="1707654"/>
+            <a:ext cx="5964087" cy="2322258"/>
           </a:xfrm>
           <a:prstGeom prst="rect">
             <a:avLst/>
@@ -5089,8 +5151,8 @@
         </p:nvSpPr>
         <p:spPr bwMode="auto">
           <a:xfrm>
-            <a:off x="107504" y="411510"/>
-            <a:ext cx="8520112" cy="573088"/>
+            <a:off x="80628" y="951570"/>
+            <a:ext cx="6390084" cy="429816"/>
           </a:xfrm>
           <a:prstGeom prst="rect">
             <a:avLst/>
@@ -5104,7 +5166,7 @@
           </a:ln>
         </p:spPr>
         <p:txBody>
-          <a:bodyPr vert="horz" wrap="square" lIns="91425" tIns="91425" rIns="91425" bIns="91425" numCol="1" anchor="t" anchorCtr="0" compatLnSpc="1">
+          <a:bodyPr vert="horz" wrap="square" lIns="68569" tIns="68569" rIns="68569" bIns="68569" numCol="1" anchor="t" anchorCtr="0" compatLnSpc="1">
             <a:prstTxWarp prst="textNoShape">
               <a:avLst/>
             </a:prstTxWarp>
@@ -5295,14 +5357,14 @@
               </a:buClr>
             </a:pPr>
             <a:r>
-              <a:rPr lang="ru-RU" sz="2800" kern="0" smtClean="0">
+              <a:rPr lang="ru-RU" sz="2100" kern="0">
                 <a:latin typeface="Times New Roman" pitchFamily="18" charset="0"/>
                 <a:cs typeface="Times New Roman" pitchFamily="18" charset="0"/>
                 <a:sym typeface="Times New Roman" pitchFamily="18" charset="0"/>
               </a:rPr>
               <a:t>Анализ зависимостей в коде системы </a:t>
             </a:r>
-            <a:endParaRPr lang="ru-RU" sz="2800" kern="0" dirty="0" smtClean="0">
+            <a:endParaRPr lang="ru-RU" sz="2100" kern="0" dirty="0">
               <a:latin typeface="Times New Roman" pitchFamily="18" charset="0"/>
               <a:cs typeface="Times New Roman" pitchFamily="18" charset="0"/>
               <a:sym typeface="Times New Roman" pitchFamily="18" charset="0"/>
@@ -5320,6 +5382,13 @@
   <p:clrMapOvr>
     <a:masterClrMapping/>
   </p:clrMapOvr>
+  <p:timing>
+    <p:tnLst>
+      <p:par>
+        <p:cTn id="1" dur="indefinite" restart="never" nodeType="tmRoot"/>
+      </p:par>
+    </p:tnLst>
+  </p:timing>
 </p:sld>
 </file>
 
@@ -5352,8 +5421,8 @@
         </p:nvSpPr>
         <p:spPr>
           <a:xfrm>
-            <a:off x="179512" y="339502"/>
-            <a:ext cx="8520112" cy="573088"/>
+            <a:off x="134634" y="897564"/>
+            <a:ext cx="6390084" cy="429816"/>
           </a:xfrm>
         </p:spPr>
         <p:txBody>
@@ -5369,7 +5438,7 @@
               </a:buClr>
             </a:pPr>
             <a:r>
-              <a:rPr lang="ru-RU" sz="2800" dirty="0" smtClean="0">
+              <a:rPr lang="ru-RU" sz="2100" dirty="0">
                 <a:latin typeface="Times New Roman" pitchFamily="18" charset="0"/>
                 <a:cs typeface="Times New Roman" pitchFamily="18" charset="0"/>
                 <a:sym typeface="Times New Roman" pitchFamily="18" charset="0"/>
@@ -5401,8 +5470,8 @@
         </p:blipFill>
         <p:spPr>
           <a:xfrm>
-            <a:off x="358813" y="1203598"/>
-            <a:ext cx="8161510" cy="3589021"/>
+            <a:off x="269110" y="1545636"/>
+            <a:ext cx="6121133" cy="2691766"/>
           </a:xfrm>
           <a:prstGeom prst="rect">
             <a:avLst/>
@@ -5419,6 +5488,13 @@
   <p:clrMapOvr>
     <a:masterClrMapping/>
   </p:clrMapOvr>
+  <p:timing>
+    <p:tnLst>
+      <p:par>
+        <p:cTn id="1" dur="indefinite" restart="never" nodeType="tmRoot"/>
+      </p:par>
+    </p:tnLst>
+  </p:timing>
 </p:sld>
 </file>
 
@@ -5451,8 +5527,8 @@
         </p:nvSpPr>
         <p:spPr>
           <a:xfrm>
-            <a:off x="179512" y="339502"/>
-            <a:ext cx="8520112" cy="573088"/>
+            <a:off x="134634" y="897564"/>
+            <a:ext cx="6390084" cy="429816"/>
           </a:xfrm>
         </p:spPr>
         <p:txBody>
@@ -5468,7 +5544,7 @@
               </a:buClr>
             </a:pPr>
             <a:r>
-              <a:rPr lang="ru-RU" sz="2800" dirty="0" smtClean="0">
+              <a:rPr lang="ru-RU" sz="2100" dirty="0">
                 <a:latin typeface="Times New Roman" pitchFamily="18" charset="0"/>
                 <a:cs typeface="Times New Roman" pitchFamily="18" charset="0"/>
                 <a:sym typeface="Times New Roman" pitchFamily="18" charset="0"/>
@@ -5500,8 +5576,8 @@
         </p:blipFill>
         <p:spPr>
           <a:xfrm>
-            <a:off x="1115616" y="1707654"/>
-            <a:ext cx="6630150" cy="2783610"/>
+            <a:off x="836712" y="1923678"/>
+            <a:ext cx="4972613" cy="2087708"/>
           </a:xfrm>
           <a:prstGeom prst="rect">
             <a:avLst/>
@@ -5518,6 +5594,13 @@
   <p:clrMapOvr>
     <a:masterClrMapping/>
   </p:clrMapOvr>
+  <p:timing>
+    <p:tnLst>
+      <p:par>
+        <p:cTn id="1" dur="indefinite" restart="never" nodeType="tmRoot"/>
+      </p:par>
+    </p:tnLst>
+  </p:timing>
 </p:sld>
 </file>
 
@@ -5550,8 +5633,8 @@
         </p:nvSpPr>
         <p:spPr>
           <a:xfrm>
-            <a:off x="179512" y="339502"/>
-            <a:ext cx="8520112" cy="573088"/>
+            <a:off x="134634" y="897564"/>
+            <a:ext cx="6390084" cy="429816"/>
           </a:xfrm>
         </p:spPr>
         <p:txBody>
@@ -5567,14 +5650,14 @@
               </a:buClr>
             </a:pPr>
             <a:r>
-              <a:rPr lang="ru-RU" sz="2800" dirty="0">
+              <a:rPr lang="ru-RU" sz="2100" dirty="0">
                 <a:latin typeface="Times New Roman" pitchFamily="18" charset="0"/>
                 <a:cs typeface="Times New Roman" pitchFamily="18" charset="0"/>
                 <a:sym typeface="Times New Roman" pitchFamily="18" charset="0"/>
               </a:rPr>
               <a:t>Соотношение пакетов по размеру</a:t>
             </a:r>
-            <a:endParaRPr lang="ru-RU" sz="2800" dirty="0" smtClean="0">
+            <a:endParaRPr lang="ru-RU" sz="2100" dirty="0">
               <a:latin typeface="Times New Roman" pitchFamily="18" charset="0"/>
               <a:cs typeface="Times New Roman" pitchFamily="18" charset="0"/>
               <a:sym typeface="Times New Roman" pitchFamily="18" charset="0"/>
@@ -5584,7 +5667,7 @@
       </p:sp>
       <p:pic>
         <p:nvPicPr>
-          <p:cNvPr id="2" name="Рисунок 1"/>
+          <p:cNvPr id="3" name="Рисунок 2"/>
           <p:cNvPicPr>
             <a:picLocks noChangeAspect="1"/>
           </p:cNvPicPr>
@@ -5604,8 +5687,8 @@
         </p:blipFill>
         <p:spPr>
           <a:xfrm>
-            <a:off x="827584" y="1873389"/>
-            <a:ext cx="7416824" cy="1820715"/>
+            <a:off x="0" y="1761660"/>
+            <a:ext cx="6858000" cy="1994882"/>
           </a:xfrm>
           <a:prstGeom prst="rect">
             <a:avLst/>
@@ -5622,6 +5705,13 @@
   <p:clrMapOvr>
     <a:masterClrMapping/>
   </p:clrMapOvr>
+  <p:timing>
+    <p:tnLst>
+      <p:par>
+        <p:cTn id="1" dur="indefinite" restart="never" nodeType="tmRoot"/>
+      </p:par>
+    </p:tnLst>
+  </p:timing>
 </p:sld>
 </file>
 
@@ -5666,13 +5756,20 @@
               </a:buClr>
             </a:pPr>
             <a:r>
-              <a:rPr lang="ru-RU" sz="2800" dirty="0">
+              <a:rPr lang="ru-RU" sz="2100" dirty="0">
                 <a:latin typeface="Times New Roman" pitchFamily="18" charset="0"/>
                 <a:cs typeface="Times New Roman" pitchFamily="18" charset="0"/>
               </a:rPr>
-              <a:t>Работа редактора</a:t>
+              <a:t>Работа </a:t>
             </a:r>
-            <a:endParaRPr lang="ru-RU" sz="2800" dirty="0">
+            <a:r>
+              <a:rPr lang="ru-RU" sz="2100" dirty="0" smtClean="0">
+                <a:latin typeface="Times New Roman" pitchFamily="18" charset="0"/>
+                <a:cs typeface="Times New Roman" pitchFamily="18" charset="0"/>
+              </a:rPr>
+              <a:t>редактора(Ошибка)</a:t>
+            </a:r>
+            <a:endParaRPr lang="ru-RU" sz="2100" dirty="0">
               <a:latin typeface="Times New Roman" pitchFamily="18" charset="0"/>
               <a:cs typeface="Times New Roman" pitchFamily="18" charset="0"/>
             </a:endParaRPr>
@@ -5681,7 +5778,7 @@
       </p:sp>
       <p:pic>
         <p:nvPicPr>
-          <p:cNvPr id="4" name="Рисунок 3"/>
+          <p:cNvPr id="3" name="Рисунок 2"/>
           <p:cNvPicPr/>
           <p:nvPr/>
         </p:nvPicPr>
@@ -5693,8 +5790,8 @@
         </p:blipFill>
         <p:spPr>
           <a:xfrm>
-            <a:off x="611560" y="1779662"/>
-            <a:ext cx="7128792" cy="2232248"/>
+            <a:off x="512677" y="1545637"/>
+            <a:ext cx="5670629" cy="2376263"/>
           </a:xfrm>
           <a:prstGeom prst="rect">
             <a:avLst/>
@@ -5704,13 +5801,20 @@
     </p:spTree>
     <p:extLst>
       <p:ext uri="{BB962C8B-B14F-4D97-AF65-F5344CB8AC3E}">
-        <p14:creationId xmlns:p14="http://schemas.microsoft.com/office/powerpoint/2010/main" val="1439510360"/>
+        <p14:creationId xmlns:p14="http://schemas.microsoft.com/office/powerpoint/2010/main" val="767407553"/>
       </p:ext>
     </p:extLst>
   </p:cSld>
   <p:clrMapOvr>
     <a:masterClrMapping/>
   </p:clrMapOvr>
+  <p:timing>
+    <p:tnLst>
+      <p:par>
+        <p:cTn id="1" dur="indefinite" restart="never" nodeType="tmRoot"/>
+      </p:par>
+    </p:tnLst>
+  </p:timing>
 </p:sld>
 </file>
 
@@ -5755,13 +5859,34 @@
               </a:buClr>
             </a:pPr>
             <a:r>
-              <a:rPr lang="ru-RU" sz="2800" dirty="0">
+              <a:rPr lang="ru-RU" sz="2100" dirty="0">
                 <a:latin typeface="Times New Roman" pitchFamily="18" charset="0"/>
                 <a:cs typeface="Times New Roman" pitchFamily="18" charset="0"/>
               </a:rPr>
-              <a:t>Работа редактора</a:t>
+              <a:t>Работа </a:t>
             </a:r>
-            <a:endParaRPr lang="ru-RU" sz="2800" dirty="0">
+            <a:r>
+              <a:rPr lang="ru-RU" sz="2100" dirty="0" smtClean="0">
+                <a:latin typeface="Times New Roman" pitchFamily="18" charset="0"/>
+                <a:cs typeface="Times New Roman" pitchFamily="18" charset="0"/>
+              </a:rPr>
+              <a:t>редактора</a:t>
+            </a:r>
+            <a:r>
+              <a:rPr lang="en-US" sz="2100" dirty="0" smtClean="0">
+                <a:latin typeface="Times New Roman" pitchFamily="18" charset="0"/>
+                <a:cs typeface="Times New Roman" pitchFamily="18" charset="0"/>
+              </a:rPr>
+              <a:t>(</a:t>
+            </a:r>
+            <a:r>
+              <a:rPr lang="ru-RU" sz="2100" dirty="0" smtClean="0">
+                <a:latin typeface="Times New Roman" pitchFamily="18" charset="0"/>
+                <a:cs typeface="Times New Roman" pitchFamily="18" charset="0"/>
+              </a:rPr>
+              <a:t>Предложение)</a:t>
+            </a:r>
+            <a:endParaRPr lang="ru-RU" sz="2100" dirty="0">
               <a:latin typeface="Times New Roman" pitchFamily="18" charset="0"/>
               <a:cs typeface="Times New Roman" pitchFamily="18" charset="0"/>
             </a:endParaRPr>
@@ -5770,8 +5895,10 @@
       </p:sp>
       <p:pic>
         <p:nvPicPr>
-          <p:cNvPr id="3" name="Рисунок 2"/>
-          <p:cNvPicPr/>
+          <p:cNvPr id="4" name="Рисунок 3"/>
+          <p:cNvPicPr>
+            <a:picLocks noChangeAspect="1"/>
+          </p:cNvPicPr>
           <p:nvPr/>
         </p:nvPicPr>
         <p:blipFill>
@@ -5782,8 +5909,8 @@
         </p:blipFill>
         <p:spPr>
           <a:xfrm>
-            <a:off x="683568" y="1203598"/>
-            <a:ext cx="7560839" cy="3168351"/>
+            <a:off x="512677" y="1869672"/>
+            <a:ext cx="5507831" cy="2157413"/>
           </a:xfrm>
           <a:prstGeom prst="rect">
             <a:avLst/>
@@ -5793,13 +5920,20 @@
     </p:spTree>
     <p:extLst>
       <p:ext uri="{BB962C8B-B14F-4D97-AF65-F5344CB8AC3E}">
-        <p14:creationId xmlns:p14="http://schemas.microsoft.com/office/powerpoint/2010/main" val="767407553"/>
+        <p14:creationId xmlns:p14="http://schemas.microsoft.com/office/powerpoint/2010/main" val="917799752"/>
       </p:ext>
     </p:extLst>
   </p:cSld>
   <p:clrMapOvr>
     <a:masterClrMapping/>
   </p:clrMapOvr>
+  <p:timing>
+    <p:tnLst>
+      <p:par>
+        <p:cTn id="1" dur="indefinite" restart="never" nodeType="tmRoot"/>
+      </p:par>
+    </p:tnLst>
+  </p:timing>
 </p:sld>
 </file>
 
@@ -5822,46 +5956,15 @@
       </p:grpSpPr>
       <p:sp>
         <p:nvSpPr>
-          <p:cNvPr id="4" name="Shape 19"/>
-          <p:cNvSpPr txBox="1">
-            <a:spLocks noGrp="1"/>
-          </p:cNvSpPr>
-          <p:nvPr>
-            <p:ph type="sldNum" idx="10"/>
-          </p:nvPr>
-        </p:nvSpPr>
-        <p:spPr>
-          <a:ln/>
-        </p:spPr>
-        <p:txBody>
-          <a:bodyPr/>
-          <a:lstStyle/>
-          <a:p>
-            <a:fld id="{90ED98D2-A93C-4F0D-B7E6-5BBE0EBD0634}" type="slidenum">
-              <a:rPr lang="ru-RU"/>
-              <a:pPr/>
-              <a:t>16</a:t>
-            </a:fld>
-            <a:endParaRPr lang="ru-RU"/>
-          </a:p>
-        </p:txBody>
-      </p:sp>
-      <p:sp>
-        <p:nvSpPr>
-          <p:cNvPr id="38913" name="Shape 150"/>
-          <p:cNvSpPr txBox="1">
+          <p:cNvPr id="2" name="Заголовок 1"/>
+          <p:cNvSpPr>
             <a:spLocks noGrp="1"/>
           </p:cNvSpPr>
           <p:nvPr>
             <p:ph type="title"/>
           </p:nvPr>
         </p:nvSpPr>
-        <p:spPr>
-          <a:xfrm>
-            <a:off x="311150" y="285750"/>
-            <a:ext cx="8521700" cy="573088"/>
-          </a:xfrm>
-        </p:spPr>
+        <p:spPr/>
         <p:txBody>
           <a:bodyPr/>
           <a:lstStyle/>
@@ -5875,32 +5978,33 @@
               </a:buClr>
             </a:pPr>
             <a:r>
-              <a:rPr lang="ru-RU" sz="2800" smtClean="0">
+              <a:rPr lang="ru-RU" sz="2100" dirty="0">
                 <a:latin typeface="Times New Roman" pitchFamily="18" charset="0"/>
                 <a:cs typeface="Times New Roman" pitchFamily="18" charset="0"/>
-                <a:sym typeface="Times New Roman" pitchFamily="18" charset="0"/>
               </a:rPr>
-              <a:t>Тестирование проекта</a:t>
+              <a:t>Работа редактора</a:t>
             </a:r>
           </a:p>
         </p:txBody>
       </p:sp>
       <p:pic>
         <p:nvPicPr>
-          <p:cNvPr id="5" name="Рисунок 4"/>
-          <p:cNvPicPr/>
+          <p:cNvPr id="3" name="Рисунок 2"/>
+          <p:cNvPicPr>
+            <a:picLocks noChangeAspect="1"/>
+          </p:cNvPicPr>
           <p:nvPr/>
         </p:nvPicPr>
         <p:blipFill>
-          <a:blip r:embed="rId3"/>
+          <a:blip r:embed="rId2"/>
           <a:stretch>
             <a:fillRect/>
           </a:stretch>
         </p:blipFill>
         <p:spPr>
           <a:xfrm>
-            <a:off x="251520" y="1052513"/>
-            <a:ext cx="3257550" cy="3609975"/>
+            <a:off x="246261" y="1275606"/>
+            <a:ext cx="6132220" cy="3164383"/>
           </a:xfrm>
           <a:prstGeom prst="rect">
             <a:avLst/>
@@ -5908,10 +6012,22 @@
         </p:spPr>
       </p:pic>
     </p:spTree>
+    <p:extLst>
+      <p:ext uri="{BB962C8B-B14F-4D97-AF65-F5344CB8AC3E}">
+        <p14:creationId xmlns:p14="http://schemas.microsoft.com/office/powerpoint/2010/main" val="345774099"/>
+      </p:ext>
+    </p:extLst>
   </p:cSld>
   <p:clrMapOvr>
     <a:masterClrMapping/>
   </p:clrMapOvr>
+  <p:timing>
+    <p:tnLst>
+      <p:par>
+        <p:cTn id="1" dur="indefinite" restart="never" nodeType="tmRoot"/>
+      </p:par>
+    </p:tnLst>
+  </p:timing>
 </p:sld>
 </file>
 
@@ -5934,7 +6050,7 @@
       </p:grpSpPr>
       <p:sp>
         <p:nvSpPr>
-          <p:cNvPr id="3" name="Shape 19"/>
+          <p:cNvPr id="4" name="Shape 19"/>
           <p:cNvSpPr txBox="1">
             <a:spLocks noGrp="1"/>
           </p:cNvSpPr>
@@ -5949,7 +6065,7 @@
           <a:bodyPr/>
           <a:lstStyle/>
           <a:p>
-            <a:fld id="{DAEB0507-7B07-4A0D-B2FC-52C5F7835A52}" type="slidenum">
+            <a:fld id="{90ED98D2-A93C-4F0D-B7E6-5BBE0EBD0634}" type="slidenum">
               <a:rPr lang="ru-RU"/>
               <a:pPr/>
               <a:t>17</a:t>
@@ -5960,7 +6076,7 @@
       </p:sp>
       <p:sp>
         <p:nvSpPr>
-          <p:cNvPr id="40961" name="Shape 156"/>
+          <p:cNvPr id="38913" name="Shape 150"/>
           <p:cNvSpPr txBox="1">
             <a:spLocks noGrp="1"/>
           </p:cNvSpPr>
@@ -5970,8 +6086,8 @@
         </p:nvSpPr>
         <p:spPr>
           <a:xfrm>
-            <a:off x="0" y="2127250"/>
-            <a:ext cx="9144000" cy="573088"/>
+            <a:off x="233363" y="857250"/>
+            <a:ext cx="6391275" cy="429816"/>
           </a:xfrm>
         </p:spPr>
         <p:txBody>
@@ -5987,7 +6103,126 @@
               </a:buClr>
             </a:pPr>
             <a:r>
-              <a:rPr lang="ru-RU" sz="2800" smtClean="0">
+              <a:rPr lang="ru-RU" sz="2100">
+                <a:latin typeface="Times New Roman" pitchFamily="18" charset="0"/>
+                <a:cs typeface="Times New Roman" pitchFamily="18" charset="0"/>
+                <a:sym typeface="Times New Roman" pitchFamily="18" charset="0"/>
+              </a:rPr>
+              <a:t>Тестирование проекта</a:t>
+            </a:r>
+          </a:p>
+        </p:txBody>
+      </p:sp>
+      <p:pic>
+        <p:nvPicPr>
+          <p:cNvPr id="5" name="Рисунок 4"/>
+          <p:cNvPicPr/>
+          <p:nvPr/>
+        </p:nvPicPr>
+        <p:blipFill>
+          <a:blip r:embed="rId3"/>
+          <a:stretch>
+            <a:fillRect/>
+          </a:stretch>
+        </p:blipFill>
+        <p:spPr>
+          <a:xfrm>
+            <a:off x="188640" y="1432323"/>
+            <a:ext cx="2443163" cy="2707481"/>
+          </a:xfrm>
+          <a:prstGeom prst="rect">
+            <a:avLst/>
+          </a:prstGeom>
+        </p:spPr>
+      </p:pic>
+    </p:spTree>
+  </p:cSld>
+  <p:clrMapOvr>
+    <a:masterClrMapping/>
+  </p:clrMapOvr>
+  <p:timing>
+    <p:tnLst>
+      <p:par>
+        <p:cTn id="1" dur="indefinite" restart="never" nodeType="tmRoot"/>
+      </p:par>
+    </p:tnLst>
+  </p:timing>
+</p:sld>
+</file>
+
+<file path=ppt/slides/slide18.xml><?xml version="1.0" encoding="utf-8"?>
+<p:sld xmlns:a="http://schemas.openxmlformats.org/drawingml/2006/main" xmlns:r="http://schemas.openxmlformats.org/officeDocument/2006/relationships" xmlns:p="http://schemas.openxmlformats.org/presentationml/2006/main">
+  <p:cSld>
+    <p:spTree>
+      <p:nvGrpSpPr>
+        <p:cNvPr id="1" name=""/>
+        <p:cNvGrpSpPr/>
+        <p:nvPr/>
+      </p:nvGrpSpPr>
+      <p:grpSpPr>
+        <a:xfrm>
+          <a:off x="0" y="0"/>
+          <a:ext cx="0" cy="0"/>
+          <a:chOff x="0" y="0"/>
+          <a:chExt cx="0" cy="0"/>
+        </a:xfrm>
+      </p:grpSpPr>
+      <p:sp>
+        <p:nvSpPr>
+          <p:cNvPr id="3" name="Shape 19"/>
+          <p:cNvSpPr txBox="1">
+            <a:spLocks noGrp="1"/>
+          </p:cNvSpPr>
+          <p:nvPr>
+            <p:ph type="sldNum" idx="10"/>
+          </p:nvPr>
+        </p:nvSpPr>
+        <p:spPr>
+          <a:ln/>
+        </p:spPr>
+        <p:txBody>
+          <a:bodyPr/>
+          <a:lstStyle/>
+          <a:p>
+            <a:fld id="{DAEB0507-7B07-4A0D-B2FC-52C5F7835A52}" type="slidenum">
+              <a:rPr lang="ru-RU"/>
+              <a:pPr/>
+              <a:t>18</a:t>
+            </a:fld>
+            <a:endParaRPr lang="ru-RU"/>
+          </a:p>
+        </p:txBody>
+      </p:sp>
+      <p:sp>
+        <p:nvSpPr>
+          <p:cNvPr id="40961" name="Shape 156"/>
+          <p:cNvSpPr txBox="1">
+            <a:spLocks noGrp="1"/>
+          </p:cNvSpPr>
+          <p:nvPr>
+            <p:ph type="title"/>
+          </p:nvPr>
+        </p:nvSpPr>
+        <p:spPr>
+          <a:xfrm>
+            <a:off x="0" y="2238375"/>
+            <a:ext cx="6858000" cy="429816"/>
+          </a:xfrm>
+        </p:spPr>
+        <p:txBody>
+          <a:bodyPr/>
+          <a:lstStyle/>
+          <a:p>
+            <a:pPr algn="ctr" eaLnBrk="1" hangingPunct="1">
+              <a:spcBef>
+                <a:spcPct val="0"/>
+              </a:spcBef>
+              <a:buClr>
+                <a:srgbClr val="000000"/>
+              </a:buClr>
+            </a:pPr>
+            <a:r>
+              <a:rPr lang="ru-RU" sz="2100">
                 <a:latin typeface="Times New Roman" pitchFamily="18" charset="0"/>
                 <a:cs typeface="Times New Roman" pitchFamily="18" charset="0"/>
                 <a:sym typeface="Times New Roman" pitchFamily="18" charset="0"/>
@@ -6002,6 +6237,13 @@
   <p:clrMapOvr>
     <a:masterClrMapping/>
   </p:clrMapOvr>
+  <p:timing>
+    <p:tnLst>
+      <p:par>
+        <p:cTn id="1" dur="indefinite" restart="never" nodeType="tmRoot"/>
+      </p:par>
+    </p:tnLst>
+  </p:timing>
 </p:sld>
 </file>
 
@@ -6060,8 +6302,8 @@
         </p:nvSpPr>
         <p:spPr>
           <a:xfrm>
-            <a:off x="311150" y="444500"/>
-            <a:ext cx="8521700" cy="573088"/>
+            <a:off x="233363" y="976313"/>
+            <a:ext cx="6391275" cy="429816"/>
           </a:xfrm>
         </p:spPr>
         <p:txBody>
@@ -6077,7 +6319,7 @@
               </a:buClr>
             </a:pPr>
             <a:r>
-              <a:rPr lang="ru-RU" sz="2800" dirty="0" smtClean="0">
+              <a:rPr lang="ru-RU" sz="2100" dirty="0">
                 <a:latin typeface="Times New Roman" pitchFamily="18" charset="0"/>
                 <a:cs typeface="Times New Roman" pitchFamily="18" charset="0"/>
                 <a:sym typeface="Times New Roman" pitchFamily="18" charset="0"/>
@@ -6085,14 +6327,14 @@
               <a:t>Что такое </a:t>
             </a:r>
             <a:r>
-              <a:rPr lang="en-US" sz="2800" dirty="0" err="1" smtClean="0">
+              <a:rPr lang="en-US" sz="2100" dirty="0" err="1">
                 <a:latin typeface="Times New Roman" pitchFamily="18" charset="0"/>
                 <a:cs typeface="Times New Roman" pitchFamily="18" charset="0"/>
                 <a:sym typeface="Times New Roman" pitchFamily="18" charset="0"/>
               </a:rPr>
               <a:t>IPTables</a:t>
             </a:r>
-            <a:endParaRPr lang="ru-RU" sz="2800" dirty="0" smtClean="0">
+            <a:endParaRPr lang="ru-RU" sz="2100" dirty="0">
               <a:latin typeface="Times New Roman" pitchFamily="18" charset="0"/>
               <a:cs typeface="Times New Roman" pitchFamily="18" charset="0"/>
               <a:sym typeface="Times New Roman" pitchFamily="18" charset="0"/>
@@ -6116,8 +6358,8 @@
         </p:blipFill>
         <p:spPr>
           <a:xfrm>
-            <a:off x="330121" y="1131590"/>
-            <a:ext cx="3105584" cy="1368152"/>
+            <a:off x="247591" y="1491630"/>
+            <a:ext cx="2329188" cy="1026114"/>
           </a:xfrm>
           <a:prstGeom prst="rect">
             <a:avLst/>
@@ -6140,8 +6382,8 @@
         </p:blipFill>
         <p:spPr>
           <a:xfrm>
-            <a:off x="2487876" y="2499742"/>
-            <a:ext cx="6012376" cy="2243106"/>
+            <a:off x="1865907" y="2517744"/>
+            <a:ext cx="4509282" cy="1682330"/>
           </a:xfrm>
           <a:prstGeom prst="rect">
             <a:avLst/>
@@ -6153,6 +6395,13 @@
   <p:clrMapOvr>
     <a:masterClrMapping/>
   </p:clrMapOvr>
+  <p:timing>
+    <p:tnLst>
+      <p:par>
+        <p:cTn id="1" dur="indefinite" restart="never" nodeType="tmRoot"/>
+      </p:par>
+    </p:tnLst>
+  </p:timing>
 </p:sld>
 </file>
 
@@ -6223,27 +6472,27 @@
               </a:buClr>
             </a:pPr>
             <a:r>
-              <a:rPr lang="en-US" sz="2800" dirty="0" err="1">
+              <a:rPr lang="en-US" sz="2100" dirty="0" err="1">
                 <a:latin typeface="Times New Roman" pitchFamily="18" charset="0"/>
                 <a:cs typeface="Times New Roman" pitchFamily="18" charset="0"/>
               </a:rPr>
               <a:t>Elipse</a:t>
             </a:r>
             <a:r>
-              <a:rPr lang="en-US" sz="2800" dirty="0">
+              <a:rPr lang="en-US" sz="2100" dirty="0">
                 <a:latin typeface="Times New Roman" pitchFamily="18" charset="0"/>
                 <a:cs typeface="Times New Roman" pitchFamily="18" charset="0"/>
               </a:rPr>
               <a:t> </a:t>
             </a:r>
             <a:r>
-              <a:rPr lang="en-US" sz="2800" dirty="0" err="1">
+              <a:rPr lang="en-US" sz="2100" dirty="0" err="1">
                 <a:latin typeface="Times New Roman" pitchFamily="18" charset="0"/>
                 <a:cs typeface="Times New Roman" pitchFamily="18" charset="0"/>
               </a:rPr>
               <a:t>Xtext</a:t>
             </a:r>
-            <a:endParaRPr lang="ru-RU" sz="2800" dirty="0">
+            <a:endParaRPr lang="ru-RU" sz="2100" dirty="0">
               <a:latin typeface="Times New Roman" pitchFamily="18" charset="0"/>
               <a:cs typeface="Times New Roman" pitchFamily="18" charset="0"/>
             </a:endParaRPr>
@@ -6266,8 +6515,8 @@
         </p:blipFill>
         <p:spPr>
           <a:xfrm>
-            <a:off x="179512" y="1017725"/>
-            <a:ext cx="2250250" cy="936104"/>
+            <a:off x="134634" y="1406231"/>
+            <a:ext cx="1687688" cy="702078"/>
           </a:xfrm>
           <a:prstGeom prst="rect">
             <a:avLst/>
@@ -6288,8 +6537,8 @@
         </p:blipFill>
         <p:spPr>
           <a:xfrm>
-            <a:off x="2463298" y="1347188"/>
-            <a:ext cx="5593233" cy="3513559"/>
+            <a:off x="1847474" y="1653329"/>
+            <a:ext cx="4194925" cy="2635169"/>
           </a:xfrm>
           <a:prstGeom prst="rect">
             <a:avLst/>
@@ -6301,6 +6550,13 @@
   <p:clrMapOvr>
     <a:masterClrMapping/>
   </p:clrMapOvr>
+  <p:timing>
+    <p:tnLst>
+      <p:par>
+        <p:cTn id="1" dur="indefinite" restart="never" nodeType="tmRoot"/>
+      </p:par>
+    </p:tnLst>
+  </p:timing>
 </p:sld>
 </file>
 
@@ -6359,8 +6615,8 @@
         </p:nvSpPr>
         <p:spPr>
           <a:xfrm>
-            <a:off x="311150" y="444500"/>
-            <a:ext cx="8521700" cy="573088"/>
+            <a:off x="233363" y="976313"/>
+            <a:ext cx="6391275" cy="429816"/>
           </a:xfrm>
         </p:spPr>
         <p:txBody>
@@ -6376,7 +6632,7 @@
               </a:buClr>
             </a:pPr>
             <a:r>
-              <a:rPr lang="ru-RU" sz="2800" dirty="0" smtClean="0">
+              <a:rPr lang="ru-RU" sz="2100" dirty="0">
                 <a:latin typeface="Times New Roman" pitchFamily="18" charset="0"/>
                 <a:cs typeface="Times New Roman" pitchFamily="18" charset="0"/>
                 <a:sym typeface="Times New Roman" pitchFamily="18" charset="0"/>
@@ -6384,14 +6640,14 @@
               <a:t>Как работает </a:t>
             </a:r>
             <a:r>
-              <a:rPr lang="en-US" sz="2800" dirty="0" err="1" smtClean="0">
+              <a:rPr lang="en-US" sz="2100" dirty="0" err="1">
                 <a:latin typeface="Times New Roman" pitchFamily="18" charset="0"/>
                 <a:cs typeface="Times New Roman" pitchFamily="18" charset="0"/>
                 <a:sym typeface="Times New Roman" pitchFamily="18" charset="0"/>
               </a:rPr>
               <a:t>Xtext</a:t>
             </a:r>
-            <a:endParaRPr lang="ru-RU" sz="2800" dirty="0" smtClean="0">
+            <a:endParaRPr lang="ru-RU" sz="2100" dirty="0">
               <a:latin typeface="Times New Roman" pitchFamily="18" charset="0"/>
               <a:cs typeface="Times New Roman" pitchFamily="18" charset="0"/>
               <a:sym typeface="Times New Roman" pitchFamily="18" charset="0"/>
@@ -6401,7 +6657,7 @@
       </p:sp>
       <p:pic>
         <p:nvPicPr>
-          <p:cNvPr id="2" name="Рисунок 1"/>
+          <p:cNvPr id="5" name="Рисунок 4"/>
           <p:cNvPicPr>
             <a:picLocks noChangeAspect="1"/>
           </p:cNvPicPr>
@@ -6415,32 +6671,8 @@
         </p:blipFill>
         <p:spPr>
           <a:xfrm>
-            <a:off x="311150" y="1200443"/>
-            <a:ext cx="3828802" cy="3747571"/>
-          </a:xfrm>
-          <a:prstGeom prst="rect">
-            <a:avLst/>
-          </a:prstGeom>
-        </p:spPr>
-      </p:pic>
-      <p:pic>
-        <p:nvPicPr>
-          <p:cNvPr id="3" name="Рисунок 2"/>
-          <p:cNvPicPr>
-            <a:picLocks noChangeAspect="1"/>
-          </p:cNvPicPr>
-          <p:nvPr/>
-        </p:nvPicPr>
-        <p:blipFill>
-          <a:blip r:embed="rId4"/>
-          <a:stretch>
-            <a:fillRect/>
-          </a:stretch>
-        </p:blipFill>
-        <p:spPr>
-          <a:xfrm>
-            <a:off x="3923928" y="1027007"/>
-            <a:ext cx="4250051" cy="3635481"/>
+            <a:off x="1322766" y="1599642"/>
+            <a:ext cx="4071938" cy="2614613"/>
           </a:xfrm>
           <a:prstGeom prst="rect">
             <a:avLst/>
@@ -6452,6 +6684,13 @@
   <p:clrMapOvr>
     <a:masterClrMapping/>
   </p:clrMapOvr>
+  <p:timing>
+    <p:tnLst>
+      <p:par>
+        <p:cTn id="1" dur="indefinite" restart="never" nodeType="tmRoot"/>
+      </p:par>
+    </p:tnLst>
+  </p:timing>
 </p:sld>
 </file>
 
@@ -6510,8 +6749,8 @@
         </p:nvSpPr>
         <p:spPr>
           <a:xfrm>
-            <a:off x="311150" y="444500"/>
-            <a:ext cx="8521700" cy="573088"/>
+            <a:off x="233363" y="976313"/>
+            <a:ext cx="6391275" cy="429816"/>
           </a:xfrm>
         </p:spPr>
         <p:txBody>
@@ -6527,7 +6766,7 @@
               </a:buClr>
             </a:pPr>
             <a:r>
-              <a:rPr lang="ru-RU" sz="2800" dirty="0" smtClean="0">
+              <a:rPr lang="ru-RU" sz="2100" dirty="0">
                 <a:latin typeface="Times New Roman" pitchFamily="18" charset="0"/>
                 <a:cs typeface="Times New Roman" pitchFamily="18" charset="0"/>
                 <a:sym typeface="Times New Roman" pitchFamily="18" charset="0"/>
@@ -6549,8 +6788,8 @@
         </p:nvSpPr>
         <p:spPr>
           <a:xfrm>
-            <a:off x="158750" y="1195388"/>
-            <a:ext cx="8674100" cy="3416300"/>
+            <a:off x="119063" y="1539479"/>
+            <a:ext cx="6505575" cy="2562225"/>
           </a:xfrm>
         </p:spPr>
         <p:txBody>
@@ -6559,7 +6798,7 @@
           </a:bodyPr>
           <a:lstStyle/>
           <a:p>
-            <a:pPr indent="387350" algn="just" eaLnBrk="1" hangingPunct="1">
+            <a:pPr indent="290513" algn="just" eaLnBrk="1" hangingPunct="1">
               <a:lnSpc>
                 <a:spcPct val="115000"/>
               </a:lnSpc>
@@ -6570,11 +6809,10 @@
                 <a:srgbClr val="000000"/>
               </a:buClr>
               <a:buSzPts val="1100"/>
-              <a:buFontTx/>
               <a:buNone/>
             </a:pPr>
             <a:r>
-              <a:rPr lang="ru-RU" sz="1800" dirty="0">
+              <a:rPr lang="ru-RU" sz="1350" dirty="0">
                 <a:latin typeface="Times New Roman" pitchFamily="18" charset="0"/>
                 <a:cs typeface="Times New Roman" pitchFamily="18" charset="0"/>
                 <a:sym typeface="Times New Roman" pitchFamily="18" charset="0"/>
@@ -6582,7 +6820,7 @@
               <a:t>Разработка компонента чтения и </a:t>
             </a:r>
             <a:r>
-              <a:rPr lang="ru-RU" sz="1800" dirty="0" err="1">
+              <a:rPr lang="ru-RU" sz="1350" dirty="0" err="1">
                 <a:latin typeface="Times New Roman" pitchFamily="18" charset="0"/>
                 <a:cs typeface="Times New Roman" pitchFamily="18" charset="0"/>
                 <a:sym typeface="Times New Roman" pitchFamily="18" charset="0"/>
@@ -6590,7 +6828,7 @@
               <a:t>парсинга</a:t>
             </a:r>
             <a:r>
-              <a:rPr lang="ru-RU" sz="1800" dirty="0">
+              <a:rPr lang="ru-RU" sz="1350" dirty="0">
                 <a:latin typeface="Times New Roman" pitchFamily="18" charset="0"/>
                 <a:cs typeface="Times New Roman" pitchFamily="18" charset="0"/>
                 <a:sym typeface="Times New Roman" pitchFamily="18" charset="0"/>
@@ -6598,7 +6836,7 @@
               <a:t> файла </a:t>
             </a:r>
             <a:r>
-              <a:rPr lang="ru-RU" sz="1800" dirty="0" err="1">
+              <a:rPr lang="ru-RU" sz="1350" dirty="0" err="1">
                 <a:latin typeface="Times New Roman" pitchFamily="18" charset="0"/>
                 <a:cs typeface="Times New Roman" pitchFamily="18" charset="0"/>
                 <a:sym typeface="Times New Roman" pitchFamily="18" charset="0"/>
@@ -6606,7 +6844,7 @@
               <a:t>IPTables</a:t>
             </a:r>
             <a:r>
-              <a:rPr lang="ru-RU" sz="1800" dirty="0">
+              <a:rPr lang="ru-RU" sz="1350" dirty="0">
                 <a:latin typeface="Times New Roman" pitchFamily="18" charset="0"/>
                 <a:cs typeface="Times New Roman" pitchFamily="18" charset="0"/>
                 <a:sym typeface="Times New Roman" pitchFamily="18" charset="0"/>
@@ -6614,7 +6852,7 @@
               <a:t> с использованием </a:t>
             </a:r>
             <a:r>
-              <a:rPr lang="ru-RU" sz="1800" dirty="0" err="1">
+              <a:rPr lang="ru-RU" sz="1350" dirty="0" err="1">
                 <a:latin typeface="Times New Roman" pitchFamily="18" charset="0"/>
                 <a:cs typeface="Times New Roman" pitchFamily="18" charset="0"/>
                 <a:sym typeface="Times New Roman" pitchFamily="18" charset="0"/>
@@ -6622,7 +6860,7 @@
               <a:t>Eclipse</a:t>
             </a:r>
             <a:r>
-              <a:rPr lang="ru-RU" sz="1800" dirty="0">
+              <a:rPr lang="ru-RU" sz="1350" dirty="0">
                 <a:latin typeface="Times New Roman" pitchFamily="18" charset="0"/>
                 <a:cs typeface="Times New Roman" pitchFamily="18" charset="0"/>
                 <a:sym typeface="Times New Roman" pitchFamily="18" charset="0"/>
@@ -6630,7 +6868,7 @@
               <a:t> </a:t>
             </a:r>
             <a:r>
-              <a:rPr lang="ru-RU" sz="1800" dirty="0" err="1">
+              <a:rPr lang="ru-RU" sz="1350" dirty="0" err="1">
                 <a:latin typeface="Times New Roman" pitchFamily="18" charset="0"/>
                 <a:cs typeface="Times New Roman" pitchFamily="18" charset="0"/>
                 <a:sym typeface="Times New Roman" pitchFamily="18" charset="0"/>
@@ -6638,7 +6876,7 @@
               <a:t>Xtext</a:t>
             </a:r>
             <a:r>
-              <a:rPr lang="ru-RU" sz="1800" dirty="0">
+              <a:rPr lang="ru-RU" sz="1350" dirty="0">
                 <a:latin typeface="Times New Roman" pitchFamily="18" charset="0"/>
                 <a:cs typeface="Times New Roman" pitchFamily="18" charset="0"/>
                 <a:sym typeface="Times New Roman" pitchFamily="18" charset="0"/>
@@ -6647,7 +6885,7 @@
             </a:r>
           </a:p>
           <a:p>
-            <a:pPr indent="387350" algn="just" eaLnBrk="1" hangingPunct="1">
+            <a:pPr indent="290513" algn="just" eaLnBrk="1" hangingPunct="1">
               <a:lnSpc>
                 <a:spcPct val="115000"/>
               </a:lnSpc>
@@ -6658,17 +6896,16 @@
                 <a:srgbClr val="000000"/>
               </a:buClr>
               <a:buSzPts val="1100"/>
-              <a:buFontTx/>
               <a:buNone/>
             </a:pPr>
-            <a:endParaRPr lang="ru-RU" sz="1800" dirty="0">
+            <a:endParaRPr lang="ru-RU" sz="1350" dirty="0">
               <a:latin typeface="Times New Roman" pitchFamily="18" charset="0"/>
               <a:cs typeface="Times New Roman" pitchFamily="18" charset="0"/>
               <a:sym typeface="Times New Roman" pitchFamily="18" charset="0"/>
             </a:endParaRPr>
           </a:p>
           <a:p>
-            <a:pPr marL="285750" indent="-285750" algn="just" eaLnBrk="1" hangingPunct="1">
+            <a:pPr marL="214313" indent="-214313" algn="just" eaLnBrk="1" hangingPunct="1">
               <a:lnSpc>
                 <a:spcPct val="115000"/>
               </a:lnSpc>
@@ -6681,7 +6918,7 @@
               <a:buSzPts val="1100"/>
             </a:pPr>
             <a:r>
-              <a:rPr lang="ru-RU" sz="1800" dirty="0">
+              <a:rPr lang="ru-RU" sz="1350" dirty="0">
                 <a:latin typeface="Times New Roman" pitchFamily="18" charset="0"/>
                 <a:cs typeface="Times New Roman" pitchFamily="18" charset="0"/>
                 <a:sym typeface="Times New Roman" pitchFamily="18" charset="0"/>
@@ -6690,7 +6927,7 @@
             </a:r>
           </a:p>
           <a:p>
-            <a:pPr marL="285750" indent="-285750" algn="just" eaLnBrk="1" hangingPunct="1">
+            <a:pPr marL="214313" indent="-214313" algn="just" eaLnBrk="1" hangingPunct="1">
               <a:lnSpc>
                 <a:spcPct val="115000"/>
               </a:lnSpc>
@@ -6703,7 +6940,7 @@
               <a:buSzPts val="1100"/>
             </a:pPr>
             <a:r>
-              <a:rPr lang="ru-RU" sz="1800" dirty="0" err="1">
+              <a:rPr lang="ru-RU" sz="1350" dirty="0" err="1">
                 <a:latin typeface="Times New Roman" pitchFamily="18" charset="0"/>
                 <a:cs typeface="Times New Roman" pitchFamily="18" charset="0"/>
                 <a:sym typeface="Times New Roman" pitchFamily="18" charset="0"/>
@@ -6711,7 +6948,7 @@
               <a:t>Реалищовать</a:t>
             </a:r>
             <a:r>
-              <a:rPr lang="ru-RU" sz="1800" dirty="0">
+              <a:rPr lang="ru-RU" sz="1350" dirty="0">
                 <a:latin typeface="Times New Roman" pitchFamily="18" charset="0"/>
                 <a:cs typeface="Times New Roman" pitchFamily="18" charset="0"/>
                 <a:sym typeface="Times New Roman" pitchFamily="18" charset="0"/>
@@ -6720,7 +6957,7 @@
             </a:r>
           </a:p>
           <a:p>
-            <a:pPr marL="285750" indent="-285750" algn="just" eaLnBrk="1" hangingPunct="1">
+            <a:pPr marL="214313" indent="-214313" algn="just" eaLnBrk="1" hangingPunct="1">
               <a:lnSpc>
                 <a:spcPct val="115000"/>
               </a:lnSpc>
@@ -6733,7 +6970,7 @@
               <a:buSzPts val="1100"/>
             </a:pPr>
             <a:r>
-              <a:rPr lang="ru-RU" sz="1800" dirty="0">
+              <a:rPr lang="ru-RU" sz="1350" dirty="0">
                 <a:latin typeface="Times New Roman" pitchFamily="18" charset="0"/>
                 <a:cs typeface="Times New Roman" pitchFamily="18" charset="0"/>
                 <a:sym typeface="Times New Roman" pitchFamily="18" charset="0"/>
@@ -6741,7 +6978,7 @@
               <a:t>Спроектировать </a:t>
             </a:r>
             <a:r>
-              <a:rPr lang="ru-RU" sz="1800" dirty="0" err="1">
+              <a:rPr lang="ru-RU" sz="1350" dirty="0" err="1">
                 <a:latin typeface="Times New Roman" pitchFamily="18" charset="0"/>
                 <a:cs typeface="Times New Roman" pitchFamily="18" charset="0"/>
                 <a:sym typeface="Times New Roman" pitchFamily="18" charset="0"/>
@@ -6749,7 +6986,7 @@
               <a:t>Junit</a:t>
             </a:r>
             <a:r>
-              <a:rPr lang="ru-RU" sz="1800" dirty="0">
+              <a:rPr lang="ru-RU" sz="1350" dirty="0">
                 <a:latin typeface="Times New Roman" pitchFamily="18" charset="0"/>
                 <a:cs typeface="Times New Roman" pitchFamily="18" charset="0"/>
                 <a:sym typeface="Times New Roman" pitchFamily="18" charset="0"/>
@@ -6757,7 +6994,7 @@
               <a:t> и </a:t>
             </a:r>
             <a:r>
-              <a:rPr lang="ru-RU" sz="1800" dirty="0" err="1">
+              <a:rPr lang="ru-RU" sz="1350" dirty="0" err="1">
                 <a:latin typeface="Times New Roman" pitchFamily="18" charset="0"/>
                 <a:cs typeface="Times New Roman" pitchFamily="18" charset="0"/>
                 <a:sym typeface="Times New Roman" pitchFamily="18" charset="0"/>
@@ -6765,14 +7002,14 @@
               <a:t>Mockito</a:t>
             </a:r>
             <a:r>
-              <a:rPr lang="ru-RU" sz="1800" dirty="0">
+              <a:rPr lang="ru-RU" sz="1350" dirty="0">
                 <a:latin typeface="Times New Roman" pitchFamily="18" charset="0"/>
                 <a:cs typeface="Times New Roman" pitchFamily="18" charset="0"/>
                 <a:sym typeface="Times New Roman" pitchFamily="18" charset="0"/>
               </a:rPr>
               <a:t> тесты, провести тестирование</a:t>
             </a:r>
-            <a:endParaRPr lang="ru-RU" sz="1800" dirty="0" smtClean="0">
+            <a:endParaRPr lang="ru-RU" sz="1350" dirty="0">
               <a:latin typeface="Times New Roman" pitchFamily="18" charset="0"/>
               <a:cs typeface="Times New Roman" pitchFamily="18" charset="0"/>
               <a:sym typeface="Times New Roman" pitchFamily="18" charset="0"/>
@@ -6790,6 +7027,13 @@
   <p:clrMapOvr>
     <a:masterClrMapping/>
   </p:clrMapOvr>
+  <p:timing>
+    <p:tnLst>
+      <p:par>
+        <p:cTn id="1" dur="indefinite" restart="never" nodeType="tmRoot"/>
+      </p:par>
+    </p:tnLst>
+  </p:timing>
 </p:sld>
 </file>
 
@@ -6853,37 +7097,12 @@
           <a:p>
             <a:pPr algn="ctr"/>
             <a:r>
-              <a:rPr lang="ru-RU" sz="2400" dirty="0" smtClean="0">
+              <a:rPr lang="ru-RU" sz="1800" dirty="0">
                 <a:latin typeface="Times New Roman" pitchFamily="18" charset="0"/>
                 <a:cs typeface="Arial" charset="0"/>
               </a:rPr>
-              <a:t>Выявление заинтересованных </a:t>
+              <a:t>Выявление заинтересованных сторон и их интересов </a:t>
             </a:r>
-            <a:r>
-              <a:rPr lang="ru-RU" sz="2400" dirty="0" smtClean="0">
-                <a:latin typeface="Times New Roman" pitchFamily="18" charset="0"/>
-                <a:cs typeface="Arial" charset="0"/>
-              </a:rPr>
-              <a:t>сторон</a:t>
-            </a:r>
-            <a:r>
-              <a:rPr lang="ru-RU" sz="2400" dirty="0" smtClean="0">
-                <a:latin typeface="Times New Roman" pitchFamily="18" charset="0"/>
-                <a:cs typeface="Arial" charset="0"/>
-              </a:rPr>
-              <a:t> и их интересов</a:t>
-            </a:r>
-            <a:r>
-              <a:rPr lang="ru-RU" sz="2400" dirty="0" smtClean="0">
-                <a:latin typeface="Times New Roman" pitchFamily="18" charset="0"/>
-                <a:cs typeface="Arial" charset="0"/>
-              </a:rPr>
-              <a:t> </a:t>
-            </a:r>
-            <a:endParaRPr lang="ru-RU" sz="2400" dirty="0" smtClean="0">
-              <a:latin typeface="Times New Roman" pitchFamily="18" charset="0"/>
-              <a:cs typeface="Arial" charset="0"/>
-            </a:endParaRPr>
           </a:p>
         </p:txBody>
       </p:sp>
@@ -6902,8 +7121,8 @@
           </p:nvPr>
         </p:nvGraphicFramePr>
         <p:xfrm>
-          <a:off x="1652745" y="1133300"/>
-          <a:ext cx="5838510" cy="3238650"/>
+          <a:off x="1239559" y="1492912"/>
+          <a:ext cx="4378883" cy="2495399"/>
         </p:xfrm>
         <a:graphic>
           <a:graphicData uri="http://schemas.openxmlformats.org/drawingml/2006/table">
@@ -6912,7 +7131,7 @@
                 <a:tableStyleId>{5940675A-B579-460E-94D1-54222C63F5DA}</a:tableStyleId>
               </a:tblPr>
               <a:tblGrid>
-                <a:gridCol w="5838510">
+                <a:gridCol w="4378883">
                   <a:extLst>
                     <a:ext uri="{9D8B030D-6E8A-4147-A177-3AD203B41FA5}">
                       <a16:colId xmlns:a16="http://schemas.microsoft.com/office/drawing/2014/main" val="4029144812"/>
@@ -6920,7 +7139,7 @@
                   </a:extLst>
                 </a:gridCol>
               </a:tblGrid>
-              <a:tr h="216252">
+              <a:tr h="171450">
                 <a:tc>
                   <a:txBody>
                     <a:bodyPr/>
@@ -6938,36 +7157,36 @@
                         </a:tabLst>
                       </a:pPr>
                       <a:r>
-                        <a:rPr lang="en-US" sz="1200" dirty="0" err="1">
+                        <a:rPr lang="en-US" sz="900" dirty="0" err="1">
                           <a:effectLst/>
                         </a:rPr>
                         <a:t>Интересы</a:t>
                       </a:r>
                       <a:r>
-                        <a:rPr lang="en-US" sz="1200" dirty="0">
+                        <a:rPr lang="en-US" sz="900" dirty="0">
                           <a:effectLst/>
                         </a:rPr>
                         <a:t> </a:t>
                       </a:r>
                       <a:r>
-                        <a:rPr lang="en-US" sz="1200" dirty="0" err="1">
+                        <a:rPr lang="en-US" sz="900" dirty="0" err="1">
                           <a:effectLst/>
                         </a:rPr>
                         <a:t>заинтересованных</a:t>
                       </a:r>
                       <a:r>
-                        <a:rPr lang="en-US" sz="1200" dirty="0">
+                        <a:rPr lang="en-US" sz="900" dirty="0">
                           <a:effectLst/>
                         </a:rPr>
                         <a:t> </a:t>
                       </a:r>
                       <a:r>
-                        <a:rPr lang="en-US" sz="1200" dirty="0" err="1">
+                        <a:rPr lang="en-US" sz="900" dirty="0" err="1">
                           <a:effectLst/>
                         </a:rPr>
                         <a:t>сторон</a:t>
                       </a:r>
-                      <a:endParaRPr lang="ru-RU" sz="1200" dirty="0">
+                      <a:endParaRPr lang="ru-RU" sz="900" dirty="0">
                         <a:effectLst/>
                         <a:latin typeface="Times New Roman" panose="02020603050405020304" pitchFamily="18" charset="0"/>
                         <a:ea typeface="Calibri" panose="020F0502020204030204" pitchFamily="34" charset="0"/>
@@ -6975,7 +7194,7 @@
                       </a:endParaRPr>
                     </a:p>
                   </a:txBody>
-                  <a:tcPr marL="66396" marR="66396" marT="0" marB="0"/>
+                  <a:tcPr marL="49797" marR="49797" marT="0" marB="0"/>
                 </a:tc>
                 <a:extLst>
                   <a:ext uri="{0D108BD9-81ED-4DB2-BD59-A6C34878D82A}">
@@ -6983,7 +7202,7 @@
                   </a:ext>
                 </a:extLst>
               </a:tr>
-              <a:tr h="896193">
+              <a:tr h="672145">
                 <a:tc>
                   <a:txBody>
                     <a:bodyPr/>
@@ -6998,25 +7217,25 @@
                         </a:spcAft>
                       </a:pPr>
                       <a:r>
-                        <a:rPr lang="ru-RU" sz="1200" dirty="0">
+                        <a:rPr lang="ru-RU" sz="900" dirty="0">
                           <a:effectLst/>
                         </a:rPr>
                         <a:t>Подсветка синтаксиса, удовлетворяющего, требованиям </a:t>
                       </a:r>
                       <a:r>
-                        <a:rPr lang="en-US" sz="1200" dirty="0" err="1">
+                        <a:rPr lang="en-US" sz="900" dirty="0" err="1">
                           <a:effectLst/>
                         </a:rPr>
                         <a:t>IPTables</a:t>
                       </a:r>
                       <a:r>
-                        <a:rPr lang="en-US" sz="1200" dirty="0">
+                        <a:rPr lang="en-US" sz="900" dirty="0">
                           <a:effectLst/>
                         </a:rPr>
                         <a:t> </a:t>
                       </a:r>
                       <a:r>
-                        <a:rPr lang="ru-RU" sz="1200" dirty="0">
+                        <a:rPr lang="ru-RU" sz="900" dirty="0">
                           <a:effectLst/>
                         </a:rPr>
                         <a:t>в редакторе.</a:t>
@@ -7032,7 +7251,7 @@
                         </a:spcAft>
                       </a:pPr>
                       <a:r>
-                        <a:rPr lang="ru-RU" sz="1200" dirty="0">
+                        <a:rPr lang="ru-RU" sz="900" dirty="0">
                           <a:effectLst/>
                         </a:rPr>
                         <a:t> </a:t>
@@ -7048,12 +7267,12 @@
                         </a:spcAft>
                       </a:pPr>
                       <a:r>
-                        <a:rPr lang="ru-RU" sz="1200" dirty="0">
+                        <a:rPr lang="ru-RU" sz="900" dirty="0">
                           <a:effectLst/>
                         </a:rPr>
                         <a:t> </a:t>
                       </a:r>
-                      <a:endParaRPr lang="ru-RU" sz="1200" dirty="0">
+                      <a:endParaRPr lang="ru-RU" sz="900" dirty="0">
                         <a:effectLst/>
                         <a:latin typeface="Times New Roman" panose="02020603050405020304" pitchFamily="18" charset="0"/>
                         <a:ea typeface="Calibri" panose="020F0502020204030204" pitchFamily="34" charset="0"/>
@@ -7070,12 +7289,12 @@
                         </a:spcAft>
                       </a:pPr>
                       <a:r>
-                        <a:rPr lang="ru-RU" sz="1200" dirty="0" smtClean="0">
+                        <a:rPr lang="ru-RU" sz="900" dirty="0" smtClean="0">
                           <a:effectLst/>
                         </a:rPr>
                         <a:t>.</a:t>
                       </a:r>
-                      <a:endParaRPr lang="ru-RU" sz="1200" dirty="0">
+                      <a:endParaRPr lang="ru-RU" sz="900" dirty="0">
                         <a:effectLst/>
                         <a:latin typeface="Times New Roman" panose="02020603050405020304" pitchFamily="18" charset="0"/>
                         <a:ea typeface="Calibri" panose="020F0502020204030204" pitchFamily="34" charset="0"/>
@@ -7083,7 +7302,7 @@
                       </a:endParaRPr>
                     </a:p>
                   </a:txBody>
-                  <a:tcPr marL="66396" marR="66396" marT="0" marB="0"/>
+                  <a:tcPr marL="49797" marR="49797" marT="0" marB="0"/>
                 </a:tc>
                 <a:extLst>
                   <a:ext uri="{0D108BD9-81ED-4DB2-BD59-A6C34878D82A}">
@@ -7091,7 +7310,7 @@
                   </a:ext>
                 </a:extLst>
               </a:tr>
-              <a:tr h="702531">
+              <a:tr h="526898">
                 <a:tc>
                   <a:txBody>
                     <a:bodyPr/>
@@ -7106,24 +7325,24 @@
                         </a:spcAft>
                       </a:pPr>
                       <a:r>
-                        <a:rPr lang="ru-RU" sz="1200" dirty="0">
+                        <a:rPr lang="ru-RU" sz="900" dirty="0">
                           <a:effectLst/>
                         </a:rPr>
                         <a:t>Обнаружение и уведомление о возникающих ошибках в файле конфигураций </a:t>
                       </a:r>
                       <a:r>
-                        <a:rPr lang="en-US" sz="1200" dirty="0" err="1">
+                        <a:rPr lang="en-US" sz="900" dirty="0" err="1">
                           <a:effectLst/>
                         </a:rPr>
                         <a:t>IPTables</a:t>
                       </a:r>
                       <a:r>
-                        <a:rPr lang="ru-RU" sz="1200" dirty="0">
+                        <a:rPr lang="ru-RU" sz="900" dirty="0">
                           <a:effectLst/>
                         </a:rPr>
                         <a:t>.</a:t>
                       </a:r>
-                      <a:endParaRPr lang="ru-RU" sz="1200" dirty="0">
+                      <a:endParaRPr lang="ru-RU" sz="900" dirty="0">
                         <a:effectLst/>
                         <a:latin typeface="Times New Roman" panose="02020603050405020304" pitchFamily="18" charset="0"/>
                         <a:ea typeface="Calibri" panose="020F0502020204030204" pitchFamily="34" charset="0"/>
@@ -7131,7 +7350,7 @@
                       </a:endParaRPr>
                     </a:p>
                   </a:txBody>
-                  <a:tcPr marL="66396" marR="66396" marT="0" marB="0"/>
+                  <a:tcPr marL="49797" marR="49797" marT="0" marB="0"/>
                 </a:tc>
                 <a:extLst>
                   <a:ext uri="{0D108BD9-81ED-4DB2-BD59-A6C34878D82A}">
@@ -7139,7 +7358,7 @@
                   </a:ext>
                 </a:extLst>
               </a:tr>
-              <a:tr h="711837">
+              <a:tr h="533878">
                 <a:tc>
                   <a:txBody>
                     <a:bodyPr/>
@@ -7154,24 +7373,24 @@
                         </a:spcAft>
                       </a:pPr>
                       <a:r>
-                        <a:rPr lang="ru-RU" sz="1200" dirty="0">
+                        <a:rPr lang="ru-RU" sz="900" dirty="0">
                           <a:effectLst/>
                         </a:rPr>
                         <a:t>Предложение последующих возможных вариантов данных для работы с файлом конфигурации </a:t>
                       </a:r>
                       <a:r>
-                        <a:rPr lang="en-US" sz="1200" dirty="0" err="1">
+                        <a:rPr lang="en-US" sz="900" dirty="0" err="1">
                           <a:effectLst/>
                         </a:rPr>
                         <a:t>IPTables</a:t>
                       </a:r>
                       <a:r>
-                        <a:rPr lang="ru-RU" sz="1200" dirty="0">
+                        <a:rPr lang="ru-RU" sz="900" dirty="0">
                           <a:effectLst/>
                         </a:rPr>
                         <a:t>.</a:t>
                       </a:r>
-                      <a:endParaRPr lang="ru-RU" sz="1200" dirty="0">
+                      <a:endParaRPr lang="ru-RU" sz="900" dirty="0">
                         <a:effectLst/>
                         <a:latin typeface="Times New Roman" panose="02020603050405020304" pitchFamily="18" charset="0"/>
                         <a:ea typeface="Calibri" panose="020F0502020204030204" pitchFamily="34" charset="0"/>
@@ -7179,7 +7398,7 @@
                       </a:endParaRPr>
                     </a:p>
                   </a:txBody>
-                  <a:tcPr marL="66396" marR="66396" marT="0" marB="0"/>
+                  <a:tcPr marL="49797" marR="49797" marT="0" marB="0"/>
                 </a:tc>
                 <a:extLst>
                   <a:ext uri="{0D108BD9-81ED-4DB2-BD59-A6C34878D82A}">
@@ -7187,7 +7406,7 @@
                   </a:ext>
                 </a:extLst>
               </a:tr>
-              <a:tr h="711837">
+              <a:tr h="533878">
                 <a:tc>
                   <a:txBody>
                     <a:bodyPr/>
@@ -7202,48 +7421,48 @@
                         </a:spcAft>
                       </a:pPr>
                       <a:r>
-                        <a:rPr lang="ru-RU" sz="1200" dirty="0">
+                        <a:rPr lang="ru-RU" sz="900" dirty="0">
                           <a:effectLst/>
                         </a:rPr>
                         <a:t>Возможность </a:t>
                       </a:r>
                       <a:r>
-                        <a:rPr lang="ru-RU" sz="1200" dirty="0" err="1">
+                        <a:rPr lang="ru-RU" sz="900" dirty="0" err="1">
                           <a:effectLst/>
                         </a:rPr>
                         <a:t>парсинга</a:t>
                       </a:r>
                       <a:r>
-                        <a:rPr lang="ru-RU" sz="1200" dirty="0">
+                        <a:rPr lang="ru-RU" sz="900" dirty="0">
                           <a:effectLst/>
                         </a:rPr>
                         <a:t> и проверки на </a:t>
                       </a:r>
                       <a:r>
-                        <a:rPr lang="ru-RU" sz="1200" dirty="0" err="1">
+                        <a:rPr lang="ru-RU" sz="900" dirty="0" err="1">
                           <a:effectLst/>
                         </a:rPr>
                         <a:t>валидность</a:t>
                       </a:r>
                       <a:r>
-                        <a:rPr lang="ru-RU" sz="1200" dirty="0">
+                        <a:rPr lang="ru-RU" sz="900" dirty="0">
                           <a:effectLst/>
                         </a:rPr>
                         <a:t> уже готовых сборок конфигурации </a:t>
                       </a:r>
                       <a:r>
-                        <a:rPr lang="en-US" sz="1200" dirty="0" err="1">
+                        <a:rPr lang="en-US" sz="900" dirty="0" err="1">
                           <a:effectLst/>
                         </a:rPr>
                         <a:t>IPTables</a:t>
                       </a:r>
                       <a:r>
-                        <a:rPr lang="ru-RU" sz="1200" dirty="0">
+                        <a:rPr lang="ru-RU" sz="900" dirty="0">
                           <a:effectLst/>
                         </a:rPr>
                         <a:t>.</a:t>
                       </a:r>
-                      <a:endParaRPr lang="ru-RU" sz="1200" dirty="0">
+                      <a:endParaRPr lang="ru-RU" sz="900" dirty="0">
                         <a:effectLst/>
                         <a:latin typeface="Times New Roman" panose="02020603050405020304" pitchFamily="18" charset="0"/>
                         <a:ea typeface="Calibri" panose="020F0502020204030204" pitchFamily="34" charset="0"/>
@@ -7251,7 +7470,7 @@
                       </a:endParaRPr>
                     </a:p>
                   </a:txBody>
-                  <a:tcPr marL="66396" marR="66396" marT="0" marB="0"/>
+                  <a:tcPr marL="49797" marR="49797" marT="0" marB="0"/>
                 </a:tc>
                 <a:extLst>
                   <a:ext uri="{0D108BD9-81ED-4DB2-BD59-A6C34878D82A}">
@@ -7268,6 +7487,13 @@
   <p:clrMapOvr>
     <a:masterClrMapping/>
   </p:clrMapOvr>
+  <p:timing>
+    <p:tnLst>
+      <p:par>
+        <p:cTn id="1" dur="indefinite" restart="never" nodeType="tmRoot"/>
+      </p:par>
+    </p:tnLst>
+  </p:timing>
 </p:sld>
 </file>
 
@@ -7326,8 +7552,8 @@
         </p:nvSpPr>
         <p:spPr>
           <a:xfrm>
-            <a:off x="311150" y="117475"/>
-            <a:ext cx="8521700" cy="571500"/>
+            <a:off x="233363" y="731044"/>
+            <a:ext cx="6391275" cy="428625"/>
           </a:xfrm>
         </p:spPr>
         <p:txBody>
@@ -7343,7 +7569,7 @@
               </a:buClr>
             </a:pPr>
             <a:r>
-              <a:rPr lang="ru-RU" sz="2800" smtClean="0">
+              <a:rPr lang="ru-RU" sz="2100">
                 <a:latin typeface="Times New Roman" pitchFamily="18" charset="0"/>
                 <a:cs typeface="Times New Roman" pitchFamily="18" charset="0"/>
                 <a:sym typeface="Times New Roman" pitchFamily="18" charset="0"/>
@@ -7375,8 +7601,8 @@
         </p:blipFill>
         <p:spPr>
           <a:xfrm>
-            <a:off x="0" y="1038104"/>
-            <a:ext cx="9144000" cy="3067291"/>
+            <a:off x="0" y="1421516"/>
+            <a:ext cx="6858000" cy="2300468"/>
           </a:xfrm>
           <a:prstGeom prst="rect">
             <a:avLst/>
@@ -7388,6 +7614,13 @@
   <p:clrMapOvr>
     <a:masterClrMapping/>
   </p:clrMapOvr>
+  <p:timing>
+    <p:tnLst>
+      <p:par>
+        <p:cTn id="1" dur="indefinite" restart="never" nodeType="tmRoot"/>
+      </p:par>
+    </p:tnLst>
+  </p:timing>
 </p:sld>
 </file>
 
@@ -7446,8 +7679,8 @@
         </p:nvSpPr>
         <p:spPr>
           <a:xfrm>
-            <a:off x="100013" y="412750"/>
-            <a:ext cx="8520112" cy="573088"/>
+            <a:off x="75010" y="952500"/>
+            <a:ext cx="6390084" cy="429816"/>
           </a:xfrm>
         </p:spPr>
         <p:txBody>
@@ -7463,7 +7696,7 @@
               </a:buClr>
             </a:pPr>
             <a:r>
-              <a:rPr lang="ru-RU" sz="2800" smtClean="0">
+              <a:rPr lang="ru-RU" sz="2100">
                 <a:latin typeface="Times New Roman" pitchFamily="18" charset="0"/>
                 <a:cs typeface="Times New Roman" pitchFamily="18" charset="0"/>
                 <a:sym typeface="Times New Roman" pitchFamily="18" charset="0"/>
@@ -7495,8 +7728,8 @@
         </p:blipFill>
         <p:spPr>
           <a:xfrm>
-            <a:off x="0" y="1044130"/>
-            <a:ext cx="9144000" cy="3055240"/>
+            <a:off x="0" y="1426035"/>
+            <a:ext cx="6858000" cy="2291430"/>
           </a:xfrm>
           <a:prstGeom prst="rect">
             <a:avLst/>
@@ -7508,6 +7741,13 @@
   <p:clrMapOvr>
     <a:masterClrMapping/>
   </p:clrMapOvr>
+  <p:timing>
+    <p:tnLst>
+      <p:par>
+        <p:cTn id="1" dur="indefinite" restart="never" nodeType="tmRoot"/>
+      </p:par>
+    </p:tnLst>
+  </p:timing>
 </p:sld>
 </file>
 
@@ -7566,8 +7806,8 @@
         </p:nvSpPr>
         <p:spPr>
           <a:xfrm>
-            <a:off x="100013" y="127000"/>
-            <a:ext cx="8520112" cy="573088"/>
+            <a:off x="75010" y="738188"/>
+            <a:ext cx="6390084" cy="429816"/>
           </a:xfrm>
         </p:spPr>
         <p:txBody>
@@ -7583,7 +7823,7 @@
               </a:buClr>
             </a:pPr>
             <a:r>
-              <a:rPr lang="ru-RU" sz="2800" dirty="0" smtClean="0">
+              <a:rPr lang="ru-RU" sz="2100" dirty="0">
                 <a:latin typeface="Times New Roman" pitchFamily="18" charset="0"/>
                 <a:cs typeface="Times New Roman" pitchFamily="18" charset="0"/>
                 <a:sym typeface="Times New Roman" pitchFamily="18" charset="0"/>
@@ -7615,8 +7855,8 @@
         </p:blipFill>
         <p:spPr>
           <a:xfrm>
-            <a:off x="395536" y="843558"/>
-            <a:ext cx="7776864" cy="3024336"/>
+            <a:off x="296652" y="1275606"/>
+            <a:ext cx="5832648" cy="2268252"/>
           </a:xfrm>
           <a:prstGeom prst="rect">
             <a:avLst/>
@@ -7628,6 +7868,13 @@
   <p:clrMapOvr>
     <a:masterClrMapping/>
   </p:clrMapOvr>
+  <p:timing>
+    <p:tnLst>
+      <p:par>
+        <p:cTn id="1" dur="indefinite" restart="never" nodeType="tmRoot"/>
+      </p:par>
+    </p:tnLst>
+  </p:timing>
 </p:sld>
 </file>
 

--- a/Презентация РПО.pptx
+++ b/Презентация РПО.pptx
@@ -4813,7 +4813,7 @@
         <p:spPr>
           <a:xfrm>
             <a:off x="4754166" y="3351610"/>
-            <a:ext cx="1996678" cy="819150"/>
+            <a:ext cx="1996678" cy="1380380"/>
           </a:xfrm>
         </p:spPr>
         <p:txBody>
@@ -4899,8 +4899,83 @@
                 <a:cs typeface="Times New Roman" pitchFamily="18" charset="0"/>
                 <a:sym typeface="Times New Roman" pitchFamily="18" charset="0"/>
               </a:rPr>
-              <a:t>группа ИУ3-73</a:t>
+              <a:t>группа </a:t>
             </a:r>
+            <a:r>
+              <a:rPr lang="ru-RU" sz="1350" dirty="0" smtClean="0">
+                <a:solidFill>
+                  <a:srgbClr val="595959"/>
+                </a:solidFill>
+                <a:latin typeface="Times New Roman" pitchFamily="18" charset="0"/>
+                <a:cs typeface="Times New Roman" pitchFamily="18" charset="0"/>
+                <a:sym typeface="Times New Roman" pitchFamily="18" charset="0"/>
+              </a:rPr>
+              <a:t>ИУ3-73</a:t>
+            </a:r>
+          </a:p>
+          <a:p>
+            <a:pPr eaLnBrk="1" hangingPunct="1">
+              <a:spcBef>
+                <a:spcPct val="0"/>
+              </a:spcBef>
+              <a:spcAft>
+                <a:spcPct val="0"/>
+              </a:spcAft>
+              <a:buClr>
+                <a:srgbClr val="595959"/>
+              </a:buClr>
+            </a:pPr>
+            <a:r>
+              <a:rPr lang="ru-RU" sz="1350" dirty="0" smtClean="0">
+                <a:solidFill>
+                  <a:srgbClr val="595959"/>
+                </a:solidFill>
+                <a:latin typeface="Times New Roman" pitchFamily="18" charset="0"/>
+                <a:cs typeface="Times New Roman" pitchFamily="18" charset="0"/>
+                <a:sym typeface="Times New Roman" pitchFamily="18" charset="0"/>
+              </a:rPr>
+              <a:t>Руководитель:</a:t>
+            </a:r>
+            <a:br>
+              <a:rPr lang="ru-RU" sz="1350" dirty="0" smtClean="0">
+                <a:solidFill>
+                  <a:srgbClr val="595959"/>
+                </a:solidFill>
+                <a:latin typeface="Times New Roman" pitchFamily="18" charset="0"/>
+                <a:cs typeface="Times New Roman" pitchFamily="18" charset="0"/>
+                <a:sym typeface="Times New Roman" pitchFamily="18" charset="0"/>
+              </a:rPr>
+            </a:br>
+            <a:r>
+              <a:rPr lang="ru-RU" sz="1350" dirty="0" smtClean="0">
+                <a:solidFill>
+                  <a:srgbClr val="595959"/>
+                </a:solidFill>
+                <a:latin typeface="Times New Roman" pitchFamily="18" charset="0"/>
+                <a:cs typeface="Times New Roman" pitchFamily="18" charset="0"/>
+                <a:sym typeface="Times New Roman" pitchFamily="18" charset="0"/>
+              </a:rPr>
+              <a:t>Иванов Алексей </a:t>
+            </a:r>
+            <a:r>
+              <a:rPr lang="ru-RU" sz="1350" dirty="0" err="1" smtClean="0">
+                <a:solidFill>
+                  <a:srgbClr val="595959"/>
+                </a:solidFill>
+                <a:latin typeface="Times New Roman" pitchFamily="18" charset="0"/>
+                <a:cs typeface="Times New Roman" pitchFamily="18" charset="0"/>
+                <a:sym typeface="Times New Roman" pitchFamily="18" charset="0"/>
+              </a:rPr>
+              <a:t>Михаийлович</a:t>
+            </a:r>
+            <a:endParaRPr lang="ru-RU" sz="1350" dirty="0">
+              <a:solidFill>
+                <a:srgbClr val="595959"/>
+              </a:solidFill>
+              <a:latin typeface="Times New Roman" pitchFamily="18" charset="0"/>
+              <a:cs typeface="Times New Roman" pitchFamily="18" charset="0"/>
+              <a:sym typeface="Times New Roman" pitchFamily="18" charset="0"/>
+            </a:endParaRPr>
           </a:p>
         </p:txBody>
       </p:sp>
@@ -5057,8 +5132,8 @@
         </p:nvSpPr>
         <p:spPr>
           <a:xfrm>
-            <a:off x="2186653" y="2202657"/>
-            <a:ext cx="2326342" cy="307777"/>
+            <a:off x="211451" y="2177355"/>
+            <a:ext cx="6575262" cy="307777"/>
           </a:xfrm>
           <a:prstGeom prst="rect">
             <a:avLst/>
@@ -5073,7 +5148,15 @@
           <a:p>
             <a:r>
               <a:rPr lang="ru-RU" dirty="0" smtClean="0"/>
-              <a:t>Курсовая работа на тему:</a:t>
+              <a:t>Курсовая работа</a:t>
+            </a:r>
+            <a:r>
+              <a:rPr lang="en-US" dirty="0" smtClean="0"/>
+              <a:t> </a:t>
+            </a:r>
+            <a:r>
+              <a:rPr lang="ru-RU" dirty="0" smtClean="0"/>
+              <a:t>по курсу «Разработка программного обеспечения» на тему:</a:t>
             </a:r>
             <a:endParaRPr lang="ru-RU" dirty="0"/>
           </a:p>
